--- a/Lesson 6/Web_Lesson6.pptx
+++ b/Lesson 6/Web_Lesson6.pptx
@@ -18,27 +18,27 @@
     <p:sldId id="326" r:id="rId12"/>
     <p:sldId id="327" r:id="rId13"/>
     <p:sldId id="328" r:id="rId14"/>
-    <p:sldId id="329" r:id="rId15"/>
-    <p:sldId id="330" r:id="rId16"/>
-    <p:sldId id="331" r:id="rId17"/>
-    <p:sldId id="332" r:id="rId18"/>
-    <p:sldId id="333" r:id="rId19"/>
-    <p:sldId id="334" r:id="rId20"/>
-    <p:sldId id="335" r:id="rId21"/>
-    <p:sldId id="336" r:id="rId22"/>
-    <p:sldId id="337" r:id="rId23"/>
-    <p:sldId id="338" r:id="rId24"/>
-    <p:sldId id="340" r:id="rId25"/>
-    <p:sldId id="341" r:id="rId26"/>
-    <p:sldId id="342" r:id="rId27"/>
-    <p:sldId id="343" r:id="rId28"/>
-    <p:sldId id="344" r:id="rId29"/>
-    <p:sldId id="345" r:id="rId30"/>
-    <p:sldId id="346" r:id="rId31"/>
-    <p:sldId id="347" r:id="rId32"/>
-    <p:sldId id="348" r:id="rId33"/>
-    <p:sldId id="349" r:id="rId34"/>
-    <p:sldId id="350" r:id="rId35"/>
+    <p:sldId id="355" r:id="rId15"/>
+    <p:sldId id="329" r:id="rId16"/>
+    <p:sldId id="330" r:id="rId17"/>
+    <p:sldId id="356" r:id="rId18"/>
+    <p:sldId id="331" r:id="rId19"/>
+    <p:sldId id="332" r:id="rId20"/>
+    <p:sldId id="357" r:id="rId21"/>
+    <p:sldId id="333" r:id="rId22"/>
+    <p:sldId id="334" r:id="rId23"/>
+    <p:sldId id="358" r:id="rId24"/>
+    <p:sldId id="335" r:id="rId25"/>
+    <p:sldId id="336" r:id="rId26"/>
+    <p:sldId id="337" r:id="rId27"/>
+    <p:sldId id="338" r:id="rId28"/>
+    <p:sldId id="340" r:id="rId29"/>
+    <p:sldId id="341" r:id="rId30"/>
+    <p:sldId id="342" r:id="rId31"/>
+    <p:sldId id="343" r:id="rId32"/>
+    <p:sldId id="345" r:id="rId33"/>
+    <p:sldId id="347" r:id="rId34"/>
+    <p:sldId id="349" r:id="rId35"/>
     <p:sldId id="351" r:id="rId36"/>
     <p:sldId id="352" r:id="rId37"/>
     <p:sldId id="353" r:id="rId38"/>
@@ -374,7 +374,7 @@
           <a:p>
             <a:fld id="{A9B77C0E-67A9-7043-A4EF-BB6590D640F8}" type="datetimeFigureOut">
               <a:rPr lang="en-US" smtClean="0"/>
-              <a:t>2/23/2018</a:t>
+              <a:t>2/27/2018</a:t>
             </a:fld>
             <a:endParaRPr lang="en-US" dirty="0"/>
           </a:p>
@@ -542,7 +542,7 @@
           <a:p>
             <a:fld id="{A9B77C0E-67A9-7043-A4EF-BB6590D640F8}" type="datetimeFigureOut">
               <a:rPr lang="en-US" smtClean="0"/>
-              <a:t>2/23/2018</a:t>
+              <a:t>2/27/2018</a:t>
             </a:fld>
             <a:endParaRPr lang="en-US" dirty="0"/>
           </a:p>
@@ -720,7 +720,7 @@
           <a:p>
             <a:fld id="{A9B77C0E-67A9-7043-A4EF-BB6590D640F8}" type="datetimeFigureOut">
               <a:rPr lang="en-US" smtClean="0"/>
-              <a:t>2/23/2018</a:t>
+              <a:t>2/27/2018</a:t>
             </a:fld>
             <a:endParaRPr lang="en-US" dirty="0"/>
           </a:p>
@@ -960,7 +960,7 @@
           <a:p>
             <a:fld id="{55DCB603-DD01-A748-9C61-5B34346B2E0D}" type="datetimeFigureOut">
               <a:rPr lang="en-US" smtClean="0"/>
-              <a:t>2/23/2018</a:t>
+              <a:t>2/27/2018</a:t>
             </a:fld>
             <a:endParaRPr lang="en-US" dirty="0"/>
           </a:p>
@@ -1128,7 +1128,7 @@
           <a:p>
             <a:fld id="{55DCB603-DD01-A748-9C61-5B34346B2E0D}" type="datetimeFigureOut">
               <a:rPr lang="en-US" smtClean="0"/>
-              <a:t>2/23/2018</a:t>
+              <a:t>2/27/2018</a:t>
             </a:fld>
             <a:endParaRPr lang="en-US" dirty="0"/>
           </a:p>
@@ -1373,7 +1373,7 @@
           <a:p>
             <a:fld id="{55DCB603-DD01-A748-9C61-5B34346B2E0D}" type="datetimeFigureOut">
               <a:rPr lang="en-US" smtClean="0"/>
-              <a:t>2/23/2018</a:t>
+              <a:t>2/27/2018</a:t>
             </a:fld>
             <a:endParaRPr lang="en-US" dirty="0"/>
           </a:p>
@@ -1658,7 +1658,7 @@
           <a:p>
             <a:fld id="{55DCB603-DD01-A748-9C61-5B34346B2E0D}" type="datetimeFigureOut">
               <a:rPr lang="en-US" smtClean="0"/>
-              <a:t>2/23/2018</a:t>
+              <a:t>2/27/2018</a:t>
             </a:fld>
             <a:endParaRPr lang="en-US" dirty="0"/>
           </a:p>
@@ -2077,7 +2077,7 @@
           <a:p>
             <a:fld id="{55DCB603-DD01-A748-9C61-5B34346B2E0D}" type="datetimeFigureOut">
               <a:rPr lang="en-US" smtClean="0"/>
-              <a:t>2/23/2018</a:t>
+              <a:t>2/27/2018</a:t>
             </a:fld>
             <a:endParaRPr lang="en-US" dirty="0"/>
           </a:p>
@@ -2194,7 +2194,7 @@
           <a:p>
             <a:fld id="{55DCB603-DD01-A748-9C61-5B34346B2E0D}" type="datetimeFigureOut">
               <a:rPr lang="en-US" smtClean="0"/>
-              <a:t>2/23/2018</a:t>
+              <a:t>2/27/2018</a:t>
             </a:fld>
             <a:endParaRPr lang="en-US" dirty="0"/>
           </a:p>
@@ -2289,7 +2289,7 @@
           <a:p>
             <a:fld id="{55DCB603-DD01-A748-9C61-5B34346B2E0D}" type="datetimeFigureOut">
               <a:rPr lang="en-US" smtClean="0"/>
-              <a:t>2/23/2018</a:t>
+              <a:t>2/27/2018</a:t>
             </a:fld>
             <a:endParaRPr lang="en-US" dirty="0"/>
           </a:p>
@@ -2564,7 +2564,7 @@
           <a:p>
             <a:fld id="{55DCB603-DD01-A748-9C61-5B34346B2E0D}" type="datetimeFigureOut">
               <a:rPr lang="en-US" smtClean="0"/>
-              <a:t>2/23/2018</a:t>
+              <a:t>2/27/2018</a:t>
             </a:fld>
             <a:endParaRPr lang="en-US" dirty="0"/>
           </a:p>
@@ -2732,7 +2732,7 @@
           <a:p>
             <a:fld id="{A9B77C0E-67A9-7043-A4EF-BB6590D640F8}" type="datetimeFigureOut">
               <a:rPr lang="en-US" smtClean="0"/>
-              <a:t>2/23/2018</a:t>
+              <a:t>2/27/2018</a:t>
             </a:fld>
             <a:endParaRPr lang="en-US" dirty="0"/>
           </a:p>
@@ -2984,7 +2984,7 @@
           <a:p>
             <a:fld id="{55DCB603-DD01-A748-9C61-5B34346B2E0D}" type="datetimeFigureOut">
               <a:rPr lang="en-US" smtClean="0"/>
-              <a:t>2/23/2018</a:t>
+              <a:t>2/27/2018</a:t>
             </a:fld>
             <a:endParaRPr lang="en-US" dirty="0"/>
           </a:p>
@@ -3152,7 +3152,7 @@
           <a:p>
             <a:fld id="{55DCB603-DD01-A748-9C61-5B34346B2E0D}" type="datetimeFigureOut">
               <a:rPr lang="en-US" smtClean="0"/>
-              <a:t>2/23/2018</a:t>
+              <a:t>2/27/2018</a:t>
             </a:fld>
             <a:endParaRPr lang="en-US" dirty="0"/>
           </a:p>
@@ -3330,7 +3330,7 @@
           <a:p>
             <a:fld id="{55DCB603-DD01-A748-9C61-5B34346B2E0D}" type="datetimeFigureOut">
               <a:rPr lang="en-US" smtClean="0"/>
-              <a:t>2/23/2018</a:t>
+              <a:t>2/27/2018</a:t>
             </a:fld>
             <a:endParaRPr lang="en-US" dirty="0"/>
           </a:p>
@@ -3575,7 +3575,7 @@
           <a:p>
             <a:fld id="{A9B77C0E-67A9-7043-A4EF-BB6590D640F8}" type="datetimeFigureOut">
               <a:rPr lang="en-US" smtClean="0"/>
-              <a:t>2/23/2018</a:t>
+              <a:t>2/27/2018</a:t>
             </a:fld>
             <a:endParaRPr lang="en-US" dirty="0"/>
           </a:p>
@@ -3860,7 +3860,7 @@
           <a:p>
             <a:fld id="{A9B77C0E-67A9-7043-A4EF-BB6590D640F8}" type="datetimeFigureOut">
               <a:rPr lang="en-US" smtClean="0"/>
-              <a:t>2/23/2018</a:t>
+              <a:t>2/27/2018</a:t>
             </a:fld>
             <a:endParaRPr lang="en-US" dirty="0"/>
           </a:p>
@@ -4279,7 +4279,7 @@
           <a:p>
             <a:fld id="{A9B77C0E-67A9-7043-A4EF-BB6590D640F8}" type="datetimeFigureOut">
               <a:rPr lang="en-US" smtClean="0"/>
-              <a:t>2/23/2018</a:t>
+              <a:t>2/27/2018</a:t>
             </a:fld>
             <a:endParaRPr lang="en-US" dirty="0"/>
           </a:p>
@@ -4396,7 +4396,7 @@
           <a:p>
             <a:fld id="{A9B77C0E-67A9-7043-A4EF-BB6590D640F8}" type="datetimeFigureOut">
               <a:rPr lang="en-US" smtClean="0"/>
-              <a:t>2/23/2018</a:t>
+              <a:t>2/27/2018</a:t>
             </a:fld>
             <a:endParaRPr lang="en-US" dirty="0"/>
           </a:p>
@@ -4491,7 +4491,7 @@
           <a:p>
             <a:fld id="{A9B77C0E-67A9-7043-A4EF-BB6590D640F8}" type="datetimeFigureOut">
               <a:rPr lang="en-US" smtClean="0"/>
-              <a:t>2/23/2018</a:t>
+              <a:t>2/27/2018</a:t>
             </a:fld>
             <a:endParaRPr lang="en-US" dirty="0"/>
           </a:p>
@@ -4766,7 +4766,7 @@
           <a:p>
             <a:fld id="{A9B77C0E-67A9-7043-A4EF-BB6590D640F8}" type="datetimeFigureOut">
               <a:rPr lang="en-US" smtClean="0"/>
-              <a:t>2/23/2018</a:t>
+              <a:t>2/27/2018</a:t>
             </a:fld>
             <a:endParaRPr lang="en-US" dirty="0"/>
           </a:p>
@@ -5018,7 +5018,7 @@
           <a:p>
             <a:fld id="{A9B77C0E-67A9-7043-A4EF-BB6590D640F8}" type="datetimeFigureOut">
               <a:rPr lang="en-US" smtClean="0"/>
-              <a:t>2/23/2018</a:t>
+              <a:t>2/27/2018</a:t>
             </a:fld>
             <a:endParaRPr lang="en-US" dirty="0"/>
           </a:p>
@@ -5229,7 +5229,7 @@
           <a:p>
             <a:fld id="{A9B77C0E-67A9-7043-A4EF-BB6590D640F8}" type="datetimeFigureOut">
               <a:rPr lang="en-US" smtClean="0"/>
-              <a:t>2/23/2018</a:t>
+              <a:t>2/27/2018</a:t>
             </a:fld>
             <a:endParaRPr lang="en-US" dirty="0"/>
           </a:p>
@@ -5743,7 +5743,7 @@
           <a:p>
             <a:fld id="{55DCB603-DD01-A748-9C61-5B34346B2E0D}" type="datetimeFigureOut">
               <a:rPr lang="en-US" smtClean="0"/>
-              <a:t>2/23/2018</a:t>
+              <a:t>2/27/2018</a:t>
             </a:fld>
             <a:endParaRPr lang="en-US" dirty="0"/>
           </a:p>
@@ -6681,43 +6681,126 @@
               <a:rPr lang="en-US" dirty="0">
                 <a:latin typeface="Georgia" panose="02040502050405020303" pitchFamily="18" charset="0"/>
               </a:rPr>
-              <a:t>Create Operations - Cloud</a:t>
-            </a:r>
-          </a:p>
-        </p:txBody>
-      </p:sp>
-      <p:pic>
-        <p:nvPicPr>
-          <p:cNvPr id="4" name="Content Placeholder 3"/>
-          <p:cNvPicPr>
-            <a:picLocks noGrp="1" noChangeAspect="1"/>
-          </p:cNvPicPr>
+              <a:t>Create Operations</a:t>
+            </a:r>
+          </a:p>
+        </p:txBody>
+      </p:sp>
+      <p:sp>
+        <p:nvSpPr>
+          <p:cNvPr id="3" name="Content Placeholder 2"/>
+          <p:cNvSpPr>
+            <a:spLocks noGrp="1"/>
+          </p:cNvSpPr>
           <p:nvPr>
             <p:ph idx="1"/>
-          </p:nvPr>
-        </p:nvPicPr>
-        <p:blipFill>
-          <a:blip r:embed="rId2"/>
-          <a:stretch>
-            <a:fillRect/>
-          </a:stretch>
-        </p:blipFill>
-        <p:spPr>
-          <a:xfrm>
-            <a:off x="457200" y="1905621"/>
-            <a:ext cx="8229600" cy="3915121"/>
-          </a:xfrm>
-          <a:prstGeom prst="rect">
-            <a:avLst/>
-          </a:prstGeom>
-        </p:spPr>
-      </p:pic>
-      <p:sp>
-        <p:nvSpPr>
-          <p:cNvPr id="5" name="TextBox 4">
+            <p:extLst/>
+          </p:nvPr>
+        </p:nvSpPr>
+        <p:spPr/>
+        <p:txBody>
+          <a:bodyPr vert="horz" lIns="91440" tIns="45720" rIns="91440" bIns="45720" rtlCol="0" anchor="t">
+            <a:normAutofit/>
+          </a:bodyPr>
+          <a:lstStyle/>
+          <a:p>
+            <a:r>
+              <a:rPr lang="en-US" sz="2400" dirty="0">
+                <a:latin typeface="Georgia" panose="02040502050405020303" pitchFamily="18" charset="0"/>
+              </a:rPr>
+              <a:t>Create or insert operations add new documents to a collection</a:t>
+            </a:r>
+          </a:p>
+          <a:p>
+            <a:r>
+              <a:rPr lang="en-US" sz="2400" dirty="0">
+                <a:latin typeface="Georgia" panose="02040502050405020303" pitchFamily="18" charset="0"/>
+              </a:rPr>
+              <a:t>If the collection does not currently exist, insert operations will create the collection</a:t>
+            </a:r>
+          </a:p>
+          <a:p>
+            <a:r>
+              <a:rPr lang="en-US" sz="2400" dirty="0">
+                <a:latin typeface="Georgia" panose="02040502050405020303" pitchFamily="18" charset="0"/>
+              </a:rPr>
+              <a:t>MongoDB provides the following methods to insert documents into a collection:</a:t>
+            </a:r>
+          </a:p>
+          <a:p>
+            <a:pPr lvl="2"/>
+            <a:r>
+              <a:rPr lang="en-US" sz="2000" dirty="0" err="1">
+                <a:solidFill>
+                  <a:srgbClr val="00B050"/>
+                </a:solidFill>
+                <a:latin typeface="Georgia" panose="02040502050405020303" pitchFamily="18" charset="0"/>
+              </a:rPr>
+              <a:t>db.collection.insertOne</a:t>
+            </a:r>
+            <a:r>
+              <a:rPr lang="en-US" sz="2000" dirty="0">
+                <a:solidFill>
+                  <a:srgbClr val="00B050"/>
+                </a:solidFill>
+                <a:latin typeface="Georgia" panose="02040502050405020303" pitchFamily="18" charset="0"/>
+              </a:rPr>
+              <a:t>()</a:t>
+            </a:r>
+          </a:p>
+          <a:p>
+            <a:pPr lvl="2"/>
+            <a:r>
+              <a:rPr lang="en-US" sz="2000" dirty="0" err="1">
+                <a:solidFill>
+                  <a:srgbClr val="00B050"/>
+                </a:solidFill>
+                <a:latin typeface="Georgia" panose="02040502050405020303" pitchFamily="18" charset="0"/>
+              </a:rPr>
+              <a:t>db.collection.insertMany</a:t>
+            </a:r>
+            <a:r>
+              <a:rPr lang="en-US" sz="2000" dirty="0">
+                <a:solidFill>
+                  <a:srgbClr val="00B050"/>
+                </a:solidFill>
+                <a:latin typeface="Georgia" panose="02040502050405020303" pitchFamily="18" charset="0"/>
+              </a:rPr>
+              <a:t>()</a:t>
+            </a:r>
+          </a:p>
+          <a:p>
+            <a:pPr lvl="2"/>
+            <a:r>
+              <a:rPr lang="en-US" sz="2000" dirty="0" err="1">
+                <a:solidFill>
+                  <a:srgbClr val="00B050"/>
+                </a:solidFill>
+                <a:latin typeface="Georgia" panose="02040502050405020303" pitchFamily="18" charset="0"/>
+              </a:rPr>
+              <a:t>db.collection.insert</a:t>
+            </a:r>
+            <a:r>
+              <a:rPr lang="en-US" sz="2000" dirty="0">
+                <a:solidFill>
+                  <a:srgbClr val="00B050"/>
+                </a:solidFill>
+                <a:latin typeface="Georgia" panose="02040502050405020303" pitchFamily="18" charset="0"/>
+              </a:rPr>
+              <a:t>()</a:t>
+            </a:r>
+            <a:endParaRPr lang="en-US" sz="2000" dirty="0">
+              <a:latin typeface="Georgia" panose="02040502050405020303" pitchFamily="18" charset="0"/>
+            </a:endParaRPr>
+          </a:p>
+        </p:txBody>
+      </p:sp>
+      <p:sp>
+        <p:nvSpPr>
+          <p:cNvPr id="4" name="TextBox 3">
             <a:extLst>
               <a:ext uri="{FF2B5EF4-FFF2-40B4-BE49-F238E27FC236}">
-                <a16:creationId xmlns:a16="http://schemas.microsoft.com/office/drawing/2014/main" id="{974A4DB3-EC02-4A8F-9AE5-6B81D1B2668B}"/>
+                <a16:creationId xmlns:a16="http://schemas.microsoft.com/office/drawing/2014/main" id="{A8877C72-F4FE-4B1C-BB76-99C083153DC1}"/>
               </a:ext>
             </a:extLst>
           </p:cNvPr>
@@ -6746,7 +6829,7 @@
             </a:r>
             <a:r>
               <a:rPr lang="fr-FR" sz="1200" dirty="0">
-                <a:hlinkClick r:id="rId3"/>
+                <a:hlinkClick r:id="rId2"/>
               </a:rPr>
               <a:t>https://docs.mongodb.com/</a:t>
             </a:r>
@@ -6757,7 +6840,7 @@
     </p:spTree>
     <p:extLst>
       <p:ext uri="{BB962C8B-B14F-4D97-AF65-F5344CB8AC3E}">
-        <p14:creationId xmlns:p14="http://schemas.microsoft.com/office/powerpoint/2010/main" val="1541097000"/>
+        <p14:creationId xmlns:p14="http://schemas.microsoft.com/office/powerpoint/2010/main" val="3377157354"/>
       </p:ext>
     </p:extLst>
   </p:cSld>
@@ -6806,14 +6889,14 @@
               <a:rPr lang="en-US" dirty="0">
                 <a:latin typeface="Georgia" panose="02040502050405020303" pitchFamily="18" charset="0"/>
               </a:rPr>
-              <a:t>Create Operations</a:t>
+              <a:t>Create Operations - Cloud</a:t>
             </a:r>
           </a:p>
         </p:txBody>
       </p:sp>
       <p:pic>
         <p:nvPicPr>
-          <p:cNvPr id="6" name="Content Placeholder 5"/>
+          <p:cNvPr id="4" name="Content Placeholder 3"/>
           <p:cNvPicPr>
             <a:picLocks noGrp="1" noChangeAspect="1"/>
           </p:cNvPicPr>
@@ -6829,8 +6912,8 @@
         </p:blipFill>
         <p:spPr>
           <a:xfrm>
-            <a:off x="457200" y="1875499"/>
-            <a:ext cx="8229600" cy="3975365"/>
+            <a:off x="457200" y="1905621"/>
+            <a:ext cx="8229600" cy="3915121"/>
           </a:xfrm>
           <a:prstGeom prst="rect">
             <a:avLst/>
@@ -6839,10 +6922,10 @@
       </p:pic>
       <p:sp>
         <p:nvSpPr>
-          <p:cNvPr id="4" name="TextBox 3">
+          <p:cNvPr id="5" name="TextBox 4">
             <a:extLst>
               <a:ext uri="{FF2B5EF4-FFF2-40B4-BE49-F238E27FC236}">
-                <a16:creationId xmlns:a16="http://schemas.microsoft.com/office/drawing/2014/main" id="{D28D6AFE-171F-4F24-B6D2-4EB98BABE8D4}"/>
+                <a16:creationId xmlns:a16="http://schemas.microsoft.com/office/drawing/2014/main" id="{974A4DB3-EC02-4A8F-9AE5-6B81D1B2668B}"/>
               </a:ext>
             </a:extLst>
           </p:cNvPr>
@@ -6882,7 +6965,7 @@
     </p:spTree>
     <p:extLst>
       <p:ext uri="{BB962C8B-B14F-4D97-AF65-F5344CB8AC3E}">
-        <p14:creationId xmlns:p14="http://schemas.microsoft.com/office/powerpoint/2010/main" val="2649344543"/>
+        <p14:creationId xmlns:p14="http://schemas.microsoft.com/office/powerpoint/2010/main" val="1541097000"/>
       </p:ext>
     </p:extLst>
   </p:cSld>
@@ -6931,6 +7014,318 @@
               <a:rPr lang="en-US" dirty="0">
                 <a:latin typeface="Georgia" panose="02040502050405020303" pitchFamily="18" charset="0"/>
               </a:rPr>
+              <a:t>Create Operations</a:t>
+            </a:r>
+          </a:p>
+        </p:txBody>
+      </p:sp>
+      <p:pic>
+        <p:nvPicPr>
+          <p:cNvPr id="6" name="Content Placeholder 5"/>
+          <p:cNvPicPr>
+            <a:picLocks noGrp="1" noChangeAspect="1"/>
+          </p:cNvPicPr>
+          <p:nvPr>
+            <p:ph idx="1"/>
+          </p:nvPr>
+        </p:nvPicPr>
+        <p:blipFill>
+          <a:blip r:embed="rId2"/>
+          <a:stretch>
+            <a:fillRect/>
+          </a:stretch>
+        </p:blipFill>
+        <p:spPr>
+          <a:xfrm>
+            <a:off x="457200" y="1875499"/>
+            <a:ext cx="8229600" cy="3975365"/>
+          </a:xfrm>
+          <a:prstGeom prst="rect">
+            <a:avLst/>
+          </a:prstGeom>
+        </p:spPr>
+      </p:pic>
+      <p:sp>
+        <p:nvSpPr>
+          <p:cNvPr id="4" name="TextBox 3">
+            <a:extLst>
+              <a:ext uri="{FF2B5EF4-FFF2-40B4-BE49-F238E27FC236}">
+                <a16:creationId xmlns:a16="http://schemas.microsoft.com/office/drawing/2014/main" id="{D28D6AFE-171F-4F24-B6D2-4EB98BABE8D4}"/>
+              </a:ext>
+            </a:extLst>
+          </p:cNvPr>
+          <p:cNvSpPr txBox="1"/>
+          <p:nvPr/>
+        </p:nvSpPr>
+        <p:spPr>
+          <a:xfrm>
+            <a:off x="373225" y="6170225"/>
+            <a:ext cx="2460032" cy="276999"/>
+          </a:xfrm>
+          <a:prstGeom prst="rect">
+            <a:avLst/>
+          </a:prstGeom>
+          <a:noFill/>
+        </p:spPr>
+        <p:txBody>
+          <a:bodyPr wrap="none" rtlCol="0">
+            <a:spAutoFit/>
+          </a:bodyPr>
+          <a:lstStyle/>
+          <a:p>
+            <a:r>
+              <a:rPr lang="fr-FR" sz="1200" dirty="0"/>
+              <a:t>Source: </a:t>
+            </a:r>
+            <a:r>
+              <a:rPr lang="fr-FR" sz="1200" dirty="0">
+                <a:hlinkClick r:id="rId3"/>
+              </a:rPr>
+              <a:t>https://docs.mongodb.com/</a:t>
+            </a:r>
+            <a:endParaRPr lang="en-US" sz="1200" dirty="0"/>
+          </a:p>
+        </p:txBody>
+      </p:sp>
+    </p:spTree>
+    <p:extLst>
+      <p:ext uri="{BB962C8B-B14F-4D97-AF65-F5344CB8AC3E}">
+        <p14:creationId xmlns:p14="http://schemas.microsoft.com/office/powerpoint/2010/main" val="2649344543"/>
+      </p:ext>
+    </p:extLst>
+  </p:cSld>
+  <p:clrMapOvr>
+    <a:masterClrMapping/>
+  </p:clrMapOvr>
+</p:sld>
+</file>
+
+<file path=ppt/slides/slide16.xml><?xml version="1.0" encoding="utf-8"?>
+<p:sld xmlns:a="http://schemas.openxmlformats.org/drawingml/2006/main" xmlns:r="http://schemas.openxmlformats.org/officeDocument/2006/relationships" xmlns:p="http://schemas.openxmlformats.org/presentationml/2006/main">
+  <p:cSld>
+    <p:spTree>
+      <p:nvGrpSpPr>
+        <p:cNvPr id="1" name=""/>
+        <p:cNvGrpSpPr/>
+        <p:nvPr/>
+      </p:nvGrpSpPr>
+      <p:grpSpPr>
+        <a:xfrm>
+          <a:off x="0" y="0"/>
+          <a:ext cx="0" cy="0"/>
+          <a:chOff x="0" y="0"/>
+          <a:chExt cx="0" cy="0"/>
+        </a:xfrm>
+      </p:grpSpPr>
+      <p:sp>
+        <p:nvSpPr>
+          <p:cNvPr id="2" name="Title 1"/>
+          <p:cNvSpPr>
+            <a:spLocks noGrp="1"/>
+          </p:cNvSpPr>
+          <p:nvPr>
+            <p:ph type="title"/>
+          </p:nvPr>
+        </p:nvSpPr>
+        <p:spPr/>
+        <p:txBody>
+          <a:bodyPr>
+            <a:normAutofit/>
+          </a:bodyPr>
+          <a:lstStyle/>
+          <a:p>
+            <a:pPr algn="l"/>
+            <a:r>
+              <a:rPr lang="en-US" dirty="0">
+                <a:latin typeface="Georgia" panose="02040502050405020303" pitchFamily="18" charset="0"/>
+              </a:rPr>
+              <a:t>Read Operations</a:t>
+            </a:r>
+          </a:p>
+        </p:txBody>
+      </p:sp>
+      <p:sp>
+        <p:nvSpPr>
+          <p:cNvPr id="3" name="Content Placeholder 2"/>
+          <p:cNvSpPr>
+            <a:spLocks noGrp="1"/>
+          </p:cNvSpPr>
+          <p:nvPr>
+            <p:ph idx="1"/>
+          </p:nvPr>
+        </p:nvSpPr>
+        <p:spPr/>
+        <p:txBody>
+          <a:bodyPr>
+            <a:normAutofit/>
+          </a:bodyPr>
+          <a:lstStyle/>
+          <a:p>
+            <a:r>
+              <a:rPr lang="en-US" sz="2400" dirty="0">
+                <a:latin typeface="Georgia" panose="02040502050405020303" pitchFamily="18" charset="0"/>
+              </a:rPr>
+              <a:t>Read operations retrieves documents from a collection</a:t>
+            </a:r>
+          </a:p>
+          <a:p>
+            <a:r>
+              <a:rPr lang="en-US" sz="2400" dirty="0">
+                <a:latin typeface="Georgia" panose="02040502050405020303" pitchFamily="18" charset="0"/>
+              </a:rPr>
+              <a:t>i.e. queries a collection for documents</a:t>
+            </a:r>
+          </a:p>
+          <a:p>
+            <a:r>
+              <a:rPr lang="en-US" sz="2400" dirty="0">
+                <a:latin typeface="Georgia" panose="02040502050405020303" pitchFamily="18" charset="0"/>
+              </a:rPr>
+              <a:t>MongoDB provides the following methods to read documents from a collection:</a:t>
+            </a:r>
+          </a:p>
+          <a:p>
+            <a:pPr marL="0" indent="0">
+              <a:buNone/>
+            </a:pPr>
+            <a:r>
+              <a:rPr lang="en-US" sz="2400" dirty="0">
+                <a:solidFill>
+                  <a:srgbClr val="00B050"/>
+                </a:solidFill>
+                <a:latin typeface="Georgia" panose="02040502050405020303" pitchFamily="18" charset="0"/>
+              </a:rPr>
+              <a:t>		</a:t>
+            </a:r>
+            <a:r>
+              <a:rPr lang="en-US" sz="2400" dirty="0" err="1">
+                <a:solidFill>
+                  <a:srgbClr val="00B050"/>
+                </a:solidFill>
+                <a:latin typeface="Georgia" panose="02040502050405020303" pitchFamily="18" charset="0"/>
+              </a:rPr>
+              <a:t>db.collection.find</a:t>
+            </a:r>
+            <a:r>
+              <a:rPr lang="en-US" sz="2400" dirty="0">
+                <a:solidFill>
+                  <a:srgbClr val="00B050"/>
+                </a:solidFill>
+                <a:latin typeface="Georgia" panose="02040502050405020303" pitchFamily="18" charset="0"/>
+              </a:rPr>
+              <a:t>()</a:t>
+            </a:r>
+          </a:p>
+          <a:p>
+            <a:r>
+              <a:rPr lang="en-US" sz="2400" dirty="0">
+                <a:latin typeface="Georgia" panose="02040502050405020303" pitchFamily="18" charset="0"/>
+              </a:rPr>
+              <a:t>You can specify query filters or criteria that identify the documents to return</a:t>
+            </a:r>
+            <a:endParaRPr lang="en-US" sz="2000" dirty="0">
+              <a:solidFill>
+                <a:srgbClr val="00B050"/>
+              </a:solidFill>
+              <a:latin typeface="Georgia" panose="02040502050405020303" pitchFamily="18" charset="0"/>
+            </a:endParaRPr>
+          </a:p>
+        </p:txBody>
+      </p:sp>
+      <p:sp>
+        <p:nvSpPr>
+          <p:cNvPr id="4" name="TextBox 3">
+            <a:extLst>
+              <a:ext uri="{FF2B5EF4-FFF2-40B4-BE49-F238E27FC236}">
+                <a16:creationId xmlns:a16="http://schemas.microsoft.com/office/drawing/2014/main" id="{52100BCA-507E-424B-BF8E-F5F873871ADA}"/>
+              </a:ext>
+            </a:extLst>
+          </p:cNvPr>
+          <p:cNvSpPr txBox="1"/>
+          <p:nvPr/>
+        </p:nvSpPr>
+        <p:spPr>
+          <a:xfrm>
+            <a:off x="373225" y="6170225"/>
+            <a:ext cx="2460032" cy="276999"/>
+          </a:xfrm>
+          <a:prstGeom prst="rect">
+            <a:avLst/>
+          </a:prstGeom>
+          <a:noFill/>
+        </p:spPr>
+        <p:txBody>
+          <a:bodyPr wrap="none" rtlCol="0">
+            <a:spAutoFit/>
+          </a:bodyPr>
+          <a:lstStyle/>
+          <a:p>
+            <a:r>
+              <a:rPr lang="fr-FR" sz="1200" dirty="0"/>
+              <a:t>Source: </a:t>
+            </a:r>
+            <a:r>
+              <a:rPr lang="fr-FR" sz="1200" dirty="0">
+                <a:hlinkClick r:id="rId2"/>
+              </a:rPr>
+              <a:t>https://docs.mongodb.com/</a:t>
+            </a:r>
+            <a:endParaRPr lang="en-US" sz="1200" dirty="0"/>
+          </a:p>
+        </p:txBody>
+      </p:sp>
+    </p:spTree>
+    <p:extLst>
+      <p:ext uri="{BB962C8B-B14F-4D97-AF65-F5344CB8AC3E}">
+        <p14:creationId xmlns:p14="http://schemas.microsoft.com/office/powerpoint/2010/main" val="2955628532"/>
+      </p:ext>
+    </p:extLst>
+  </p:cSld>
+  <p:clrMapOvr>
+    <a:masterClrMapping/>
+  </p:clrMapOvr>
+</p:sld>
+</file>
+
+<file path=ppt/slides/slide17.xml><?xml version="1.0" encoding="utf-8"?>
+<p:sld xmlns:a="http://schemas.openxmlformats.org/drawingml/2006/main" xmlns:r="http://schemas.openxmlformats.org/officeDocument/2006/relationships" xmlns:p="http://schemas.openxmlformats.org/presentationml/2006/main">
+  <p:cSld>
+    <p:spTree>
+      <p:nvGrpSpPr>
+        <p:cNvPr id="1" name=""/>
+        <p:cNvGrpSpPr/>
+        <p:nvPr/>
+      </p:nvGrpSpPr>
+      <p:grpSpPr>
+        <a:xfrm>
+          <a:off x="0" y="0"/>
+          <a:ext cx="0" cy="0"/>
+          <a:chOff x="0" y="0"/>
+          <a:chExt cx="0" cy="0"/>
+        </a:xfrm>
+      </p:grpSpPr>
+      <p:sp>
+        <p:nvSpPr>
+          <p:cNvPr id="2" name="Title 1"/>
+          <p:cNvSpPr>
+            <a:spLocks noGrp="1"/>
+          </p:cNvSpPr>
+          <p:nvPr>
+            <p:ph type="title"/>
+          </p:nvPr>
+        </p:nvSpPr>
+        <p:spPr/>
+        <p:txBody>
+          <a:bodyPr>
+            <a:normAutofit/>
+          </a:bodyPr>
+          <a:lstStyle/>
+          <a:p>
+            <a:pPr algn="l"/>
+            <a:r>
+              <a:rPr lang="en-US" dirty="0">
+                <a:latin typeface="Georgia" panose="02040502050405020303" pitchFamily="18" charset="0"/>
+              </a:rPr>
               <a:t>Read Operations</a:t>
             </a:r>
           </a:p>
@@ -7017,7 +7412,7 @@
 </p:sld>
 </file>
 
-<file path=ppt/slides/slide16.xml><?xml version="1.0" encoding="utf-8"?>
+<file path=ppt/slides/slide18.xml><?xml version="1.0" encoding="utf-8"?>
 <p:sld xmlns:a="http://schemas.openxmlformats.org/drawingml/2006/main" xmlns:r="http://schemas.openxmlformats.org/officeDocument/2006/relationships" xmlns:p="http://schemas.openxmlformats.org/presentationml/2006/main">
   <p:cSld>
     <p:spTree>
@@ -7124,256 +7519,6 @@
 </p:sld>
 </file>
 
-<file path=ppt/slides/slide17.xml><?xml version="1.0" encoding="utf-8"?>
-<p:sld xmlns:a="http://schemas.openxmlformats.org/drawingml/2006/main" xmlns:r="http://schemas.openxmlformats.org/officeDocument/2006/relationships" xmlns:p="http://schemas.openxmlformats.org/presentationml/2006/main">
-  <p:cSld>
-    <p:spTree>
-      <p:nvGrpSpPr>
-        <p:cNvPr id="1" name=""/>
-        <p:cNvGrpSpPr/>
-        <p:nvPr/>
-      </p:nvGrpSpPr>
-      <p:grpSpPr>
-        <a:xfrm>
-          <a:off x="0" y="0"/>
-          <a:ext cx="0" cy="0"/>
-          <a:chOff x="0" y="0"/>
-          <a:chExt cx="0" cy="0"/>
-        </a:xfrm>
-      </p:grpSpPr>
-      <p:sp>
-        <p:nvSpPr>
-          <p:cNvPr id="2" name="Title 1"/>
-          <p:cNvSpPr>
-            <a:spLocks noGrp="1"/>
-          </p:cNvSpPr>
-          <p:nvPr>
-            <p:ph type="title"/>
-          </p:nvPr>
-        </p:nvSpPr>
-        <p:spPr/>
-        <p:txBody>
-          <a:bodyPr>
-            <a:normAutofit/>
-          </a:bodyPr>
-          <a:lstStyle/>
-          <a:p>
-            <a:pPr algn="l"/>
-            <a:r>
-              <a:rPr lang="en-US" dirty="0">
-                <a:latin typeface="Georgia" panose="02040502050405020303" pitchFamily="18" charset="0"/>
-              </a:rPr>
-              <a:t>Update Operations</a:t>
-            </a:r>
-          </a:p>
-        </p:txBody>
-      </p:sp>
-      <p:pic>
-        <p:nvPicPr>
-          <p:cNvPr id="4" name="Content Placeholder 3"/>
-          <p:cNvPicPr>
-            <a:picLocks noGrp="1" noChangeAspect="1"/>
-          </p:cNvPicPr>
-          <p:nvPr>
-            <p:ph idx="1"/>
-          </p:nvPr>
-        </p:nvPicPr>
-        <p:blipFill>
-          <a:blip r:embed="rId2"/>
-          <a:stretch>
-            <a:fillRect/>
-          </a:stretch>
-        </p:blipFill>
-        <p:spPr>
-          <a:xfrm>
-            <a:off x="457200" y="1868127"/>
-            <a:ext cx="8229600" cy="3990109"/>
-          </a:xfrm>
-          <a:prstGeom prst="rect">
-            <a:avLst/>
-          </a:prstGeom>
-        </p:spPr>
-      </p:pic>
-      <p:sp>
-        <p:nvSpPr>
-          <p:cNvPr id="5" name="TextBox 4">
-            <a:extLst>
-              <a:ext uri="{FF2B5EF4-FFF2-40B4-BE49-F238E27FC236}">
-                <a16:creationId xmlns:a16="http://schemas.microsoft.com/office/drawing/2014/main" id="{9A8FD1D6-A369-45D0-9251-55B0CEE38D7D}"/>
-              </a:ext>
-            </a:extLst>
-          </p:cNvPr>
-          <p:cNvSpPr txBox="1"/>
-          <p:nvPr/>
-        </p:nvSpPr>
-        <p:spPr>
-          <a:xfrm>
-            <a:off x="373225" y="6170225"/>
-            <a:ext cx="2460032" cy="276999"/>
-          </a:xfrm>
-          <a:prstGeom prst="rect">
-            <a:avLst/>
-          </a:prstGeom>
-          <a:noFill/>
-        </p:spPr>
-        <p:txBody>
-          <a:bodyPr wrap="none" rtlCol="0">
-            <a:spAutoFit/>
-          </a:bodyPr>
-          <a:lstStyle/>
-          <a:p>
-            <a:r>
-              <a:rPr lang="fr-FR" sz="1200" dirty="0"/>
-              <a:t>Source: </a:t>
-            </a:r>
-            <a:r>
-              <a:rPr lang="fr-FR" sz="1200" dirty="0">
-                <a:hlinkClick r:id="rId3"/>
-              </a:rPr>
-              <a:t>https://docs.mongodb.com/</a:t>
-            </a:r>
-            <a:endParaRPr lang="en-US" sz="1200" dirty="0"/>
-          </a:p>
-        </p:txBody>
-      </p:sp>
-    </p:spTree>
-    <p:extLst>
-      <p:ext uri="{BB962C8B-B14F-4D97-AF65-F5344CB8AC3E}">
-        <p14:creationId xmlns:p14="http://schemas.microsoft.com/office/powerpoint/2010/main" val="2832809048"/>
-      </p:ext>
-    </p:extLst>
-  </p:cSld>
-  <p:clrMapOvr>
-    <a:masterClrMapping/>
-  </p:clrMapOvr>
-</p:sld>
-</file>
-
-<file path=ppt/slides/slide18.xml><?xml version="1.0" encoding="utf-8"?>
-<p:sld xmlns:a="http://schemas.openxmlformats.org/drawingml/2006/main" xmlns:r="http://schemas.openxmlformats.org/officeDocument/2006/relationships" xmlns:p="http://schemas.openxmlformats.org/presentationml/2006/main">
-  <p:cSld>
-    <p:spTree>
-      <p:nvGrpSpPr>
-        <p:cNvPr id="1" name=""/>
-        <p:cNvGrpSpPr/>
-        <p:nvPr/>
-      </p:nvGrpSpPr>
-      <p:grpSpPr>
-        <a:xfrm>
-          <a:off x="0" y="0"/>
-          <a:ext cx="0" cy="0"/>
-          <a:chOff x="0" y="0"/>
-          <a:chExt cx="0" cy="0"/>
-        </a:xfrm>
-      </p:grpSpPr>
-      <p:sp>
-        <p:nvSpPr>
-          <p:cNvPr id="2" name="Title 1"/>
-          <p:cNvSpPr>
-            <a:spLocks noGrp="1"/>
-          </p:cNvSpPr>
-          <p:nvPr>
-            <p:ph type="title"/>
-          </p:nvPr>
-        </p:nvSpPr>
-        <p:spPr/>
-        <p:txBody>
-          <a:bodyPr>
-            <a:normAutofit/>
-          </a:bodyPr>
-          <a:lstStyle/>
-          <a:p>
-            <a:pPr algn="l"/>
-            <a:r>
-              <a:rPr lang="en-US" dirty="0">
-                <a:latin typeface="Georgia" panose="02040502050405020303" pitchFamily="18" charset="0"/>
-              </a:rPr>
-              <a:t>Update Operations</a:t>
-            </a:r>
-          </a:p>
-        </p:txBody>
-      </p:sp>
-      <p:pic>
-        <p:nvPicPr>
-          <p:cNvPr id="6" name="Content Placeholder 5"/>
-          <p:cNvPicPr>
-            <a:picLocks noGrp="1" noChangeAspect="1"/>
-          </p:cNvPicPr>
-          <p:nvPr>
-            <p:ph idx="1"/>
-          </p:nvPr>
-        </p:nvPicPr>
-        <p:blipFill>
-          <a:blip r:embed="rId2"/>
-          <a:stretch>
-            <a:fillRect/>
-          </a:stretch>
-        </p:blipFill>
-        <p:spPr>
-          <a:xfrm>
-            <a:off x="1743273" y="1600200"/>
-            <a:ext cx="5657453" cy="4525963"/>
-          </a:xfrm>
-          <a:prstGeom prst="rect">
-            <a:avLst/>
-          </a:prstGeom>
-        </p:spPr>
-      </p:pic>
-      <p:sp>
-        <p:nvSpPr>
-          <p:cNvPr id="4" name="TextBox 3">
-            <a:extLst>
-              <a:ext uri="{FF2B5EF4-FFF2-40B4-BE49-F238E27FC236}">
-                <a16:creationId xmlns:a16="http://schemas.microsoft.com/office/drawing/2014/main" id="{E083353B-4008-4029-8064-B6DC35AFF570}"/>
-              </a:ext>
-            </a:extLst>
-          </p:cNvPr>
-          <p:cNvSpPr txBox="1"/>
-          <p:nvPr/>
-        </p:nvSpPr>
-        <p:spPr>
-          <a:xfrm>
-            <a:off x="373225" y="6170225"/>
-            <a:ext cx="2460032" cy="276999"/>
-          </a:xfrm>
-          <a:prstGeom prst="rect">
-            <a:avLst/>
-          </a:prstGeom>
-          <a:noFill/>
-        </p:spPr>
-        <p:txBody>
-          <a:bodyPr wrap="none" rtlCol="0">
-            <a:spAutoFit/>
-          </a:bodyPr>
-          <a:lstStyle/>
-          <a:p>
-            <a:r>
-              <a:rPr lang="fr-FR" sz="1200" dirty="0"/>
-              <a:t>Source: </a:t>
-            </a:r>
-            <a:r>
-              <a:rPr lang="fr-FR" sz="1200" dirty="0">
-                <a:hlinkClick r:id="rId3"/>
-              </a:rPr>
-              <a:t>https://docs.mongodb.com/</a:t>
-            </a:r>
-            <a:endParaRPr lang="en-US" sz="1200" dirty="0"/>
-          </a:p>
-        </p:txBody>
-      </p:sp>
-    </p:spTree>
-    <p:extLst>
-      <p:ext uri="{BB962C8B-B14F-4D97-AF65-F5344CB8AC3E}">
-        <p14:creationId xmlns:p14="http://schemas.microsoft.com/office/powerpoint/2010/main" val="1019687203"/>
-      </p:ext>
-    </p:extLst>
-  </p:cSld>
-  <p:clrMapOvr>
-    <a:masterClrMapping/>
-  </p:clrMapOvr>
-</p:sld>
-</file>
-
 <file path=ppt/slides/slide19.xml><?xml version="1.0" encoding="utf-8"?>
 <p:sld xmlns:a="http://schemas.openxmlformats.org/drawingml/2006/main" xmlns:r="http://schemas.openxmlformats.org/officeDocument/2006/relationships" xmlns:p="http://schemas.openxmlformats.org/presentationml/2006/main">
   <p:cSld>
@@ -7413,43 +7558,170 @@
               <a:rPr lang="en-US" dirty="0">
                 <a:latin typeface="Georgia" panose="02040502050405020303" pitchFamily="18" charset="0"/>
               </a:rPr>
-              <a:t>Delete Operations</a:t>
-            </a:r>
-          </a:p>
-        </p:txBody>
-      </p:sp>
-      <p:pic>
-        <p:nvPicPr>
-          <p:cNvPr id="4" name="Content Placeholder 3"/>
-          <p:cNvPicPr>
-            <a:picLocks noGrp="1" noChangeAspect="1"/>
-          </p:cNvPicPr>
+              <a:t>Update Operations</a:t>
+            </a:r>
+          </a:p>
+        </p:txBody>
+      </p:sp>
+      <p:sp>
+        <p:nvSpPr>
+          <p:cNvPr id="3" name="Content Placeholder 2"/>
+          <p:cNvSpPr>
+            <a:spLocks noGrp="1"/>
+          </p:cNvSpPr>
           <p:nvPr>
             <p:ph idx="1"/>
-          </p:nvPr>
-        </p:nvPicPr>
-        <p:blipFill>
-          <a:blip r:embed="rId2"/>
-          <a:stretch>
-            <a:fillRect/>
-          </a:stretch>
-        </p:blipFill>
-        <p:spPr>
-          <a:xfrm>
-            <a:off x="457200" y="1882934"/>
-            <a:ext cx="8229600" cy="3960495"/>
-          </a:xfrm>
-          <a:prstGeom prst="rect">
-            <a:avLst/>
-          </a:prstGeom>
-        </p:spPr>
-      </p:pic>
-      <p:sp>
-        <p:nvSpPr>
-          <p:cNvPr id="5" name="TextBox 4">
+            <p:extLst/>
+          </p:nvPr>
+        </p:nvSpPr>
+        <p:spPr/>
+        <p:txBody>
+          <a:bodyPr vert="horz" lIns="91440" tIns="45720" rIns="91440" bIns="45720" rtlCol="0" anchor="t">
+            <a:noAutofit/>
+          </a:bodyPr>
+          <a:lstStyle/>
+          <a:p>
+            <a:r>
+              <a:rPr lang="en-US" sz="2400" dirty="0">
+                <a:latin typeface="Georgia" panose="02040502050405020303" pitchFamily="18" charset="0"/>
+              </a:rPr>
+              <a:t>Update operations modify existing documents in a collection</a:t>
+            </a:r>
+          </a:p>
+          <a:p>
+            <a:r>
+              <a:rPr lang="en-US" sz="2400" dirty="0">
+                <a:latin typeface="Georgia" panose="02040502050405020303" pitchFamily="18" charset="0"/>
+              </a:rPr>
+              <a:t>MongoDB provides the following methods to update documents of a collection:</a:t>
+            </a:r>
+            <a:endParaRPr lang="en-US" sz="2400" dirty="0">
+              <a:solidFill>
+                <a:srgbClr val="000000"/>
+              </a:solidFill>
+              <a:latin typeface="Georgia" panose="02040502050405020303" pitchFamily="18" charset="0"/>
+            </a:endParaRPr>
+          </a:p>
+          <a:p>
+            <a:pPr lvl="2">
+              <a:buNone/>
+            </a:pPr>
+            <a:r>
+              <a:rPr lang="en-US" sz="2000" dirty="0" err="1">
+                <a:solidFill>
+                  <a:srgbClr val="00B050"/>
+                </a:solidFill>
+                <a:latin typeface="Georgia" panose="02040502050405020303" pitchFamily="18" charset="0"/>
+              </a:rPr>
+              <a:t>db.collection.update</a:t>
+            </a:r>
+            <a:r>
+              <a:rPr lang="en-US" sz="2000" dirty="0">
+                <a:solidFill>
+                  <a:srgbClr val="00B050"/>
+                </a:solidFill>
+                <a:latin typeface="Georgia" panose="02040502050405020303" pitchFamily="18" charset="0"/>
+              </a:rPr>
+              <a:t>()</a:t>
+            </a:r>
+            <a:endParaRPr lang="en-US" sz="2000" dirty="0">
+              <a:latin typeface="Georgia" panose="02040502050405020303" pitchFamily="18" charset="0"/>
+            </a:endParaRPr>
+          </a:p>
+          <a:p>
+            <a:pPr marL="800100" lvl="2" indent="0">
+              <a:buNone/>
+            </a:pPr>
+            <a:r>
+              <a:rPr lang="en-US" sz="2000" dirty="0" err="1">
+                <a:solidFill>
+                  <a:srgbClr val="00B050"/>
+                </a:solidFill>
+                <a:latin typeface="Georgia" panose="02040502050405020303" pitchFamily="18" charset="0"/>
+              </a:rPr>
+              <a:t>db.collection.updateOne</a:t>
+            </a:r>
+            <a:r>
+              <a:rPr lang="en-US" sz="2000" dirty="0">
+                <a:solidFill>
+                  <a:srgbClr val="00B050"/>
+                </a:solidFill>
+                <a:latin typeface="Georgia" panose="02040502050405020303" pitchFamily="18" charset="0"/>
+              </a:rPr>
+              <a:t>()</a:t>
+            </a:r>
+            <a:endParaRPr dirty="0"/>
+          </a:p>
+          <a:p>
+            <a:pPr marL="800100" lvl="2" indent="0">
+              <a:buNone/>
+            </a:pPr>
+            <a:r>
+              <a:rPr lang="en-US" sz="2000" dirty="0" err="1">
+                <a:solidFill>
+                  <a:srgbClr val="00B050"/>
+                </a:solidFill>
+                <a:latin typeface="Georgia" panose="02040502050405020303" pitchFamily="18" charset="0"/>
+              </a:rPr>
+              <a:t>db.collection.updateMany</a:t>
+            </a:r>
+            <a:r>
+              <a:rPr lang="en-US" sz="2000" dirty="0">
+                <a:solidFill>
+                  <a:srgbClr val="00B050"/>
+                </a:solidFill>
+                <a:latin typeface="Georgia" panose="02040502050405020303" pitchFamily="18" charset="0"/>
+              </a:rPr>
+              <a:t>()</a:t>
+            </a:r>
+          </a:p>
+          <a:p>
+            <a:pPr marL="800100" lvl="2" indent="0">
+              <a:buNone/>
+            </a:pPr>
+            <a:r>
+              <a:rPr lang="en-US" sz="2000" dirty="0" err="1">
+                <a:solidFill>
+                  <a:srgbClr val="00B050"/>
+                </a:solidFill>
+                <a:latin typeface="Georgia" panose="02040502050405020303" pitchFamily="18" charset="0"/>
+              </a:rPr>
+              <a:t>db.collection.replaceOne</a:t>
+            </a:r>
+            <a:r>
+              <a:rPr lang="en-US" sz="2000" dirty="0">
+                <a:solidFill>
+                  <a:srgbClr val="00B050"/>
+                </a:solidFill>
+                <a:latin typeface="Georgia" panose="02040502050405020303" pitchFamily="18" charset="0"/>
+              </a:rPr>
+              <a:t>()</a:t>
+            </a:r>
+          </a:p>
+          <a:p>
+            <a:r>
+              <a:rPr lang="en-US" sz="2400" dirty="0">
+                <a:latin typeface="Georgia" panose="02040502050405020303" pitchFamily="18" charset="0"/>
+              </a:rPr>
+              <a:t>You can specify criteria, or filters, that identify the documents to update</a:t>
+            </a:r>
+          </a:p>
+          <a:p>
+            <a:r>
+              <a:rPr lang="en-US" sz="2400" dirty="0">
+                <a:latin typeface="Georgia" panose="02040502050405020303" pitchFamily="18" charset="0"/>
+              </a:rPr>
+              <a:t>These filters use the same syntax as read operations</a:t>
+            </a:r>
+          </a:p>
+        </p:txBody>
+      </p:sp>
+      <p:sp>
+        <p:nvSpPr>
+          <p:cNvPr id="4" name="TextBox 3">
             <a:extLst>
               <a:ext uri="{FF2B5EF4-FFF2-40B4-BE49-F238E27FC236}">
-                <a16:creationId xmlns:a16="http://schemas.microsoft.com/office/drawing/2014/main" id="{CC0417CE-3CD7-428B-A3DE-4EB089980DE2}"/>
+                <a16:creationId xmlns:a16="http://schemas.microsoft.com/office/drawing/2014/main" id="{844FAAE5-B1FF-4438-BDE9-47C6FF5E50EB}"/>
               </a:ext>
             </a:extLst>
           </p:cNvPr>
@@ -7478,7 +7750,7 @@
             </a:r>
             <a:r>
               <a:rPr lang="fr-FR" sz="1200" dirty="0">
-                <a:hlinkClick r:id="rId3"/>
+                <a:hlinkClick r:id="rId2"/>
               </a:rPr>
               <a:t>https://docs.mongodb.com/</a:t>
             </a:r>
@@ -7489,7 +7761,7 @@
     </p:spTree>
     <p:extLst>
       <p:ext uri="{BB962C8B-B14F-4D97-AF65-F5344CB8AC3E}">
-        <p14:creationId xmlns:p14="http://schemas.microsoft.com/office/powerpoint/2010/main" val="469943202"/>
+        <p14:creationId xmlns:p14="http://schemas.microsoft.com/office/powerpoint/2010/main" val="1377889858"/>
       </p:ext>
     </p:extLst>
   </p:cSld>
@@ -7623,14 +7895,14 @@
               <a:rPr lang="en-US" dirty="0">
                 <a:latin typeface="Georgia" panose="02040502050405020303" pitchFamily="18" charset="0"/>
               </a:rPr>
-              <a:t>Delete Operations</a:t>
+              <a:t>Update Operations</a:t>
             </a:r>
           </a:p>
         </p:txBody>
       </p:sp>
       <p:pic>
         <p:nvPicPr>
-          <p:cNvPr id="5" name="Content Placeholder 4"/>
+          <p:cNvPr id="4" name="Content Placeholder 3"/>
           <p:cNvPicPr>
             <a:picLocks noGrp="1" noChangeAspect="1"/>
           </p:cNvPicPr>
@@ -7646,8 +7918,8 @@
         </p:blipFill>
         <p:spPr>
           <a:xfrm>
-            <a:off x="457200" y="1958787"/>
-            <a:ext cx="8229600" cy="3808789"/>
+            <a:off x="457200" y="1868127"/>
+            <a:ext cx="8229600" cy="3990109"/>
           </a:xfrm>
           <a:prstGeom prst="rect">
             <a:avLst/>
@@ -7656,10 +7928,10 @@
       </p:pic>
       <p:sp>
         <p:nvSpPr>
-          <p:cNvPr id="4" name="TextBox 3">
+          <p:cNvPr id="5" name="TextBox 4">
             <a:extLst>
               <a:ext uri="{FF2B5EF4-FFF2-40B4-BE49-F238E27FC236}">
-                <a16:creationId xmlns:a16="http://schemas.microsoft.com/office/drawing/2014/main" id="{CD705A32-691E-4A19-A38F-5EA4D9EC72B3}"/>
+                <a16:creationId xmlns:a16="http://schemas.microsoft.com/office/drawing/2014/main" id="{9A8FD1D6-A369-45D0-9251-55B0CEE38D7D}"/>
               </a:ext>
             </a:extLst>
           </p:cNvPr>
@@ -7699,7 +7971,7 @@
     </p:spTree>
     <p:extLst>
       <p:ext uri="{BB962C8B-B14F-4D97-AF65-F5344CB8AC3E}">
-        <p14:creationId xmlns:p14="http://schemas.microsoft.com/office/powerpoint/2010/main" val="1733221534"/>
+        <p14:creationId xmlns:p14="http://schemas.microsoft.com/office/powerpoint/2010/main" val="2832809048"/>
       </p:ext>
     </p:extLst>
   </p:cSld>
@@ -7748,14 +8020,14 @@
               <a:rPr lang="en-US" dirty="0">
                 <a:latin typeface="Georgia" panose="02040502050405020303" pitchFamily="18" charset="0"/>
               </a:rPr>
-              <a:t>Drop the Collection</a:t>
+              <a:t>Update Operations</a:t>
             </a:r>
           </a:p>
         </p:txBody>
       </p:sp>
       <p:pic>
         <p:nvPicPr>
-          <p:cNvPr id="7" name="Content Placeholder 6"/>
+          <p:cNvPr id="6" name="Content Placeholder 5"/>
           <p:cNvPicPr>
             <a:picLocks noGrp="1" noChangeAspect="1"/>
           </p:cNvPicPr>
@@ -7771,8 +8043,8 @@
         </p:blipFill>
         <p:spPr>
           <a:xfrm>
-            <a:off x="457200" y="1895873"/>
-            <a:ext cx="8229600" cy="3934616"/>
+            <a:off x="1743273" y="1600200"/>
+            <a:ext cx="5657453" cy="4525963"/>
           </a:xfrm>
           <a:prstGeom prst="rect">
             <a:avLst/>
@@ -7784,7 +8056,7 @@
           <p:cNvPr id="4" name="TextBox 3">
             <a:extLst>
               <a:ext uri="{FF2B5EF4-FFF2-40B4-BE49-F238E27FC236}">
-                <a16:creationId xmlns:a16="http://schemas.microsoft.com/office/drawing/2014/main" id="{508AC8A1-3347-4027-9AB0-FE3DEDD22275}"/>
+                <a16:creationId xmlns:a16="http://schemas.microsoft.com/office/drawing/2014/main" id="{E083353B-4008-4029-8064-B6DC35AFF570}"/>
               </a:ext>
             </a:extLst>
           </p:cNvPr>
@@ -7824,7 +8096,7 @@
     </p:spTree>
     <p:extLst>
       <p:ext uri="{BB962C8B-B14F-4D97-AF65-F5344CB8AC3E}">
-        <p14:creationId xmlns:p14="http://schemas.microsoft.com/office/powerpoint/2010/main" val="2048845462"/>
+        <p14:creationId xmlns:p14="http://schemas.microsoft.com/office/powerpoint/2010/main" val="1019687203"/>
       </p:ext>
     </p:extLst>
   </p:cSld>
@@ -7873,43 +8145,149 @@
               <a:rPr lang="en-US" dirty="0">
                 <a:latin typeface="Georgia" panose="02040502050405020303" pitchFamily="18" charset="0"/>
               </a:rPr>
-              <a:t>Drop the Collection</a:t>
-            </a:r>
-          </a:p>
-        </p:txBody>
-      </p:sp>
-      <p:pic>
-        <p:nvPicPr>
+              <a:t>Delete Operations</a:t>
+            </a:r>
+          </a:p>
+        </p:txBody>
+      </p:sp>
+      <p:sp>
+        <p:nvSpPr>
           <p:cNvPr id="3" name="Content Placeholder 2"/>
-          <p:cNvPicPr>
-            <a:picLocks noGrp="1" noChangeAspect="1"/>
-          </p:cNvPicPr>
+          <p:cNvSpPr>
+            <a:spLocks noGrp="1"/>
+          </p:cNvSpPr>
           <p:nvPr>
             <p:ph idx="1"/>
-          </p:nvPr>
-        </p:nvPicPr>
-        <p:blipFill>
-          <a:blip r:embed="rId2"/>
-          <a:stretch>
-            <a:fillRect/>
-          </a:stretch>
-        </p:blipFill>
-        <p:spPr>
-          <a:xfrm>
-            <a:off x="457200" y="1683720"/>
-            <a:ext cx="8229600" cy="4358923"/>
-          </a:xfrm>
-          <a:prstGeom prst="rect">
-            <a:avLst/>
-          </a:prstGeom>
-        </p:spPr>
-      </p:pic>
+            <p:extLst/>
+          </p:nvPr>
+        </p:nvSpPr>
+        <p:spPr/>
+        <p:txBody>
+          <a:bodyPr vert="horz" lIns="91440" tIns="45720" rIns="91440" bIns="45720" rtlCol="0" anchor="t">
+            <a:noAutofit/>
+          </a:bodyPr>
+          <a:lstStyle/>
+          <a:p>
+            <a:r>
+              <a:rPr lang="en-US" sz="2400" dirty="0">
+                <a:latin typeface="Georgia"/>
+              </a:rPr>
+              <a:t>Delete operations remove documents from a collection</a:t>
+            </a:r>
+          </a:p>
+          <a:p>
+            <a:r>
+              <a:rPr lang="en-US" sz="2400" dirty="0">
+                <a:latin typeface="Georgia"/>
+              </a:rPr>
+              <a:t>MongoDB provides the following methods to delete documents of a collection:</a:t>
+            </a:r>
+          </a:p>
+          <a:p>
+            <a:pPr marL="800100" lvl="2" indent="0">
+              <a:buNone/>
+            </a:pPr>
+            <a:r>
+              <a:rPr lang="en-US" dirty="0" err="1">
+                <a:solidFill>
+                  <a:srgbClr val="00B050"/>
+                </a:solidFill>
+                <a:latin typeface="Georgia"/>
+              </a:rPr>
+              <a:t>db.collection.deleteOne</a:t>
+            </a:r>
+            <a:r>
+              <a:rPr lang="en-US" dirty="0">
+                <a:solidFill>
+                  <a:srgbClr val="00B050"/>
+                </a:solidFill>
+                <a:latin typeface="Georgia"/>
+              </a:rPr>
+              <a:t>()</a:t>
+            </a:r>
+          </a:p>
+          <a:p>
+            <a:pPr marL="800100" lvl="2" indent="0">
+              <a:buNone/>
+            </a:pPr>
+            <a:r>
+              <a:rPr lang="en-US" dirty="0" err="1">
+                <a:solidFill>
+                  <a:srgbClr val="00B050"/>
+                </a:solidFill>
+                <a:latin typeface="Georgia"/>
+              </a:rPr>
+              <a:t>db.collection.deleteMany</a:t>
+            </a:r>
+            <a:r>
+              <a:rPr lang="en-US" dirty="0">
+                <a:solidFill>
+                  <a:srgbClr val="00B050"/>
+                </a:solidFill>
+                <a:latin typeface="Georgia"/>
+              </a:rPr>
+              <a:t>()</a:t>
+            </a:r>
+          </a:p>
+          <a:p>
+            <a:pPr lvl="2">
+              <a:buNone/>
+            </a:pPr>
+            <a:r>
+              <a:rPr lang="en-US" dirty="0">
+                <a:solidFill>
+                  <a:srgbClr val="00B050"/>
+                </a:solidFill>
+                <a:latin typeface="Georgia"/>
+              </a:rPr>
+              <a:t>           </a:t>
+            </a:r>
+            <a:r>
+              <a:rPr lang="en-US" dirty="0" err="1">
+                <a:solidFill>
+                  <a:srgbClr val="00B050"/>
+                </a:solidFill>
+                <a:latin typeface="Georgia"/>
+              </a:rPr>
+              <a:t>db.collection.delete</a:t>
+            </a:r>
+            <a:r>
+              <a:rPr lang="en-US" dirty="0">
+                <a:solidFill>
+                  <a:srgbClr val="00B050"/>
+                </a:solidFill>
+                <a:latin typeface="Georgia"/>
+              </a:rPr>
+              <a:t>()</a:t>
+            </a:r>
+            <a:endParaRPr lang="en-US" dirty="0">
+              <a:latin typeface="Georgia"/>
+            </a:endParaRPr>
+          </a:p>
+          <a:p>
+            <a:r>
+              <a:rPr lang="en-US" sz="2400" dirty="0">
+                <a:latin typeface="Georgia"/>
+              </a:rPr>
+              <a:t>You can specify criteria, or filters, that identify the documents to remove</a:t>
+            </a:r>
+          </a:p>
+          <a:p>
+            <a:r>
+              <a:rPr lang="en-US" sz="2400" dirty="0">
+                <a:latin typeface="Georgia"/>
+              </a:rPr>
+              <a:t>These filters use the same syntax as read operations</a:t>
+            </a:r>
+          </a:p>
+        </p:txBody>
+      </p:sp>
       <p:sp>
         <p:nvSpPr>
           <p:cNvPr id="4" name="TextBox 3">
             <a:extLst>
               <a:ext uri="{FF2B5EF4-FFF2-40B4-BE49-F238E27FC236}">
-                <a16:creationId xmlns:a16="http://schemas.microsoft.com/office/drawing/2014/main" id="{599D4F2E-1873-407F-B233-C50E5499E937}"/>
+                <a16:creationId xmlns:a16="http://schemas.microsoft.com/office/drawing/2014/main" id="{0844CF47-0883-4478-A1F0-0F4889235A32}"/>
               </a:ext>
             </a:extLst>
           </p:cNvPr>
@@ -7938,7 +8316,7 @@
             </a:r>
             <a:r>
               <a:rPr lang="fr-FR" sz="1200" dirty="0">
-                <a:hlinkClick r:id="rId3"/>
+                <a:hlinkClick r:id="rId2"/>
               </a:rPr>
               <a:t>https://docs.mongodb.com/</a:t>
             </a:r>
@@ -7949,7 +8327,7 @@
     </p:spTree>
     <p:extLst>
       <p:ext uri="{BB962C8B-B14F-4D97-AF65-F5344CB8AC3E}">
-        <p14:creationId xmlns:p14="http://schemas.microsoft.com/office/powerpoint/2010/main" val="601973460"/>
+        <p14:creationId xmlns:p14="http://schemas.microsoft.com/office/powerpoint/2010/main" val="4190397265"/>
       </p:ext>
     </p:extLst>
   </p:cSld>
@@ -7998,238 +8376,43 @@
               <a:rPr lang="en-US" dirty="0">
                 <a:latin typeface="Georgia" panose="02040502050405020303" pitchFamily="18" charset="0"/>
               </a:rPr>
-              <a:t>Start the MongoDB Server</a:t>
-            </a:r>
-          </a:p>
-        </p:txBody>
-      </p:sp>
-      <p:sp>
-        <p:nvSpPr>
-          <p:cNvPr id="3" name="Content Placeholder 2"/>
-          <p:cNvSpPr>
-            <a:spLocks noGrp="1"/>
-          </p:cNvSpPr>
+              <a:t>Delete Operations</a:t>
+            </a:r>
+          </a:p>
+        </p:txBody>
+      </p:sp>
+      <p:pic>
+        <p:nvPicPr>
+          <p:cNvPr id="4" name="Content Placeholder 3"/>
+          <p:cNvPicPr>
+            <a:picLocks noGrp="1" noChangeAspect="1"/>
+          </p:cNvPicPr>
           <p:nvPr>
             <p:ph idx="1"/>
           </p:nvPr>
-        </p:nvSpPr>
-        <p:spPr/>
-        <p:txBody>
-          <a:bodyPr>
-            <a:normAutofit/>
-          </a:bodyPr>
-          <a:lstStyle/>
-          <a:p>
-            <a:pPr>
-              <a:buFont typeface="Arial" panose="020B0604020202020204" pitchFamily="34" charset="0"/>
-              <a:buChar char="•"/>
-            </a:pPr>
-            <a:r>
-              <a:rPr lang="en-US" sz="2400" dirty="0">
-                <a:latin typeface="Georgia" panose="02040502050405020303" pitchFamily="18" charset="0"/>
-              </a:rPr>
-              <a:t>Command: </a:t>
-            </a:r>
-            <a:r>
-              <a:rPr lang="en-US" sz="2400" dirty="0" err="1">
-                <a:solidFill>
-                  <a:srgbClr val="00B050"/>
-                </a:solidFill>
-                <a:latin typeface="Georgia" panose="02040502050405020303" pitchFamily="18" charset="0"/>
-              </a:rPr>
-              <a:t>mongod</a:t>
-            </a:r>
-            <a:r>
-              <a:rPr lang="en-US" sz="2400" dirty="0">
-                <a:solidFill>
-                  <a:srgbClr val="00B050"/>
-                </a:solidFill>
-                <a:latin typeface="Georgia" panose="02040502050405020303" pitchFamily="18" charset="0"/>
-              </a:rPr>
-              <a:t> --</a:t>
-            </a:r>
-            <a:r>
-              <a:rPr lang="en-US" sz="2400" dirty="0" err="1">
-                <a:solidFill>
-                  <a:srgbClr val="00B050"/>
-                </a:solidFill>
-                <a:latin typeface="Georgia" panose="02040502050405020303" pitchFamily="18" charset="0"/>
-              </a:rPr>
-              <a:t>dbpath</a:t>
-            </a:r>
-            <a:r>
-              <a:rPr lang="en-US" sz="2400" dirty="0">
-                <a:solidFill>
-                  <a:srgbClr val="00B050"/>
-                </a:solidFill>
-                <a:latin typeface="Georgia" panose="02040502050405020303" pitchFamily="18" charset="0"/>
-              </a:rPr>
-              <a:t> “path where to initiate DB”</a:t>
-            </a:r>
-          </a:p>
-          <a:p>
-            <a:pPr marL="0" indent="0">
-              <a:buNone/>
-            </a:pPr>
-            <a:r>
-              <a:rPr lang="en-US" sz="2400" dirty="0">
-                <a:solidFill>
-                  <a:schemeClr val="accent6">
-                    <a:lumMod val="75000"/>
-                  </a:schemeClr>
-                </a:solidFill>
-                <a:latin typeface="Georgia" panose="02040502050405020303" pitchFamily="18" charset="0"/>
-              </a:rPr>
-              <a:t>		</a:t>
-            </a:r>
-            <a:r>
-              <a:rPr lang="en-US" sz="1400" i="1" dirty="0" err="1">
-                <a:solidFill>
-                  <a:schemeClr val="accent6">
-                    <a:lumMod val="75000"/>
-                  </a:schemeClr>
-                </a:solidFill>
-                <a:latin typeface="Georgia" panose="02040502050405020303" pitchFamily="18" charset="0"/>
-              </a:rPr>
-              <a:t>Eg</a:t>
-            </a:r>
-            <a:r>
-              <a:rPr lang="en-US" sz="1400" i="1" dirty="0">
-                <a:solidFill>
-                  <a:schemeClr val="accent6">
-                    <a:lumMod val="75000"/>
-                  </a:schemeClr>
-                </a:solidFill>
-                <a:latin typeface="Georgia" panose="02040502050405020303" pitchFamily="18" charset="0"/>
-              </a:rPr>
-              <a:t>: </a:t>
-            </a:r>
-            <a:r>
-              <a:rPr lang="en-US" sz="1400" i="1" dirty="0" err="1">
-                <a:solidFill>
-                  <a:schemeClr val="accent6">
-                    <a:lumMod val="75000"/>
-                  </a:schemeClr>
-                </a:solidFill>
-                <a:latin typeface="Georgia" panose="02040502050405020303" pitchFamily="18" charset="0"/>
-              </a:rPr>
-              <a:t>mongod</a:t>
-            </a:r>
-            <a:r>
-              <a:rPr lang="en-US" sz="1400" i="1" dirty="0">
-                <a:solidFill>
-                  <a:schemeClr val="accent6">
-                    <a:lumMod val="75000"/>
-                  </a:schemeClr>
-                </a:solidFill>
-                <a:latin typeface="Georgia" panose="02040502050405020303" pitchFamily="18" charset="0"/>
-              </a:rPr>
-              <a:t> --</a:t>
-            </a:r>
-            <a:r>
-              <a:rPr lang="en-US" sz="1400" i="1" dirty="0" err="1">
-                <a:solidFill>
-                  <a:schemeClr val="accent6">
-                    <a:lumMod val="75000"/>
-                  </a:schemeClr>
-                </a:solidFill>
-                <a:latin typeface="Georgia" panose="02040502050405020303" pitchFamily="18" charset="0"/>
-              </a:rPr>
-              <a:t>dbpath</a:t>
-            </a:r>
-            <a:r>
-              <a:rPr lang="en-US" sz="1400" i="1" dirty="0">
-                <a:solidFill>
-                  <a:schemeClr val="accent6">
-                    <a:lumMod val="75000"/>
-                  </a:schemeClr>
-                </a:solidFill>
-                <a:latin typeface="Georgia" panose="02040502050405020303" pitchFamily="18" charset="0"/>
-              </a:rPr>
-              <a:t> “C:\Users\Vijaya\Desktop\</a:t>
-            </a:r>
-            <a:r>
-              <a:rPr lang="en-US" sz="1400" i="1" dirty="0" err="1">
-                <a:solidFill>
-                  <a:schemeClr val="accent6">
-                    <a:lumMod val="75000"/>
-                  </a:schemeClr>
-                </a:solidFill>
-                <a:latin typeface="Georgia" panose="02040502050405020303" pitchFamily="18" charset="0"/>
-              </a:rPr>
-              <a:t>AP_Web</a:t>
-            </a:r>
-            <a:r>
-              <a:rPr lang="en-US" sz="1400" i="1" dirty="0">
-                <a:solidFill>
-                  <a:schemeClr val="accent6">
-                    <a:lumMod val="75000"/>
-                  </a:schemeClr>
-                </a:solidFill>
-                <a:latin typeface="Georgia" panose="02040502050405020303" pitchFamily="18" charset="0"/>
-              </a:rPr>
-              <a:t>\NodeJS\MongoDB”</a:t>
-            </a:r>
-          </a:p>
-          <a:p>
-            <a:pPr>
-              <a:buFont typeface="Arial" panose="020B0604020202020204" pitchFamily="34" charset="0"/>
-              <a:buChar char="•"/>
-            </a:pPr>
-            <a:r>
-              <a:rPr lang="en-US" sz="2400" dirty="0">
-                <a:latin typeface="Georgia" panose="02040502050405020303" pitchFamily="18" charset="0"/>
-              </a:rPr>
-              <a:t>To create a database in MongoDB, start by creating a </a:t>
-            </a:r>
-            <a:r>
-              <a:rPr lang="en-US" sz="2400" dirty="0" err="1">
-                <a:solidFill>
-                  <a:srgbClr val="00B050"/>
-                </a:solidFill>
-                <a:latin typeface="Georgia" panose="02040502050405020303" pitchFamily="18" charset="0"/>
-              </a:rPr>
-              <a:t>MongoClient</a:t>
-            </a:r>
-            <a:r>
-              <a:rPr lang="en-US" sz="2400" dirty="0">
-                <a:latin typeface="Georgia" panose="02040502050405020303" pitchFamily="18" charset="0"/>
-              </a:rPr>
-              <a:t> object, then specify a connection URL with the correct </a:t>
-            </a:r>
-            <a:r>
-              <a:rPr lang="en-US" sz="2400" dirty="0" err="1">
-                <a:latin typeface="Georgia" panose="02040502050405020303" pitchFamily="18" charset="0"/>
-              </a:rPr>
-              <a:t>ip</a:t>
-            </a:r>
-            <a:r>
-              <a:rPr lang="en-US" sz="2400" dirty="0">
-                <a:latin typeface="Georgia" panose="02040502050405020303" pitchFamily="18" charset="0"/>
-              </a:rPr>
-              <a:t> address and the name of the database you want to create</a:t>
-            </a:r>
-          </a:p>
-          <a:p>
-            <a:pPr>
-              <a:buFont typeface="Arial" panose="020B0604020202020204" pitchFamily="34" charset="0"/>
-              <a:buChar char="•"/>
-            </a:pPr>
-            <a:r>
-              <a:rPr lang="en-US" sz="2400" dirty="0">
-                <a:latin typeface="Georgia" panose="02040502050405020303" pitchFamily="18" charset="0"/>
-              </a:rPr>
-              <a:t>MongoDB will create the database if it does not exist, and make a connection to it</a:t>
-            </a:r>
-          </a:p>
-        </p:txBody>
-      </p:sp>
-      <p:sp>
-        <p:nvSpPr>
-          <p:cNvPr id="4" name="TextBox 3">
+        </p:nvPicPr>
+        <p:blipFill>
+          <a:blip r:embed="rId2"/>
+          <a:stretch>
+            <a:fillRect/>
+          </a:stretch>
+        </p:blipFill>
+        <p:spPr>
+          <a:xfrm>
+            <a:off x="457200" y="1882934"/>
+            <a:ext cx="8229600" cy="3960495"/>
+          </a:xfrm>
+          <a:prstGeom prst="rect">
+            <a:avLst/>
+          </a:prstGeom>
+        </p:spPr>
+      </p:pic>
+      <p:sp>
+        <p:nvSpPr>
+          <p:cNvPr id="5" name="TextBox 4">
             <a:extLst>
               <a:ext uri="{FF2B5EF4-FFF2-40B4-BE49-F238E27FC236}">
-                <a16:creationId xmlns:a16="http://schemas.microsoft.com/office/drawing/2014/main" id="{A68C771B-F764-42DA-9DFE-1EEC354021CF}"/>
+                <a16:creationId xmlns:a16="http://schemas.microsoft.com/office/drawing/2014/main" id="{CC0417CE-3CD7-428B-A3DE-4EB089980DE2}"/>
               </a:ext>
             </a:extLst>
           </p:cNvPr>
@@ -8258,7 +8441,7 @@
             </a:r>
             <a:r>
               <a:rPr lang="fr-FR" sz="1200" dirty="0">
-                <a:hlinkClick r:id="rId2"/>
+                <a:hlinkClick r:id="rId3"/>
               </a:rPr>
               <a:t>https://docs.mongodb.com/</a:t>
             </a:r>
@@ -8269,7 +8452,7 @@
     </p:spTree>
     <p:extLst>
       <p:ext uri="{BB962C8B-B14F-4D97-AF65-F5344CB8AC3E}">
-        <p14:creationId xmlns:p14="http://schemas.microsoft.com/office/powerpoint/2010/main" val="1677916106"/>
+        <p14:creationId xmlns:p14="http://schemas.microsoft.com/office/powerpoint/2010/main" val="469943202"/>
       </p:ext>
     </p:extLst>
   </p:cSld>
@@ -8318,14 +8501,14 @@
               <a:rPr lang="en-US" dirty="0">
                 <a:latin typeface="Georgia" panose="02040502050405020303" pitchFamily="18" charset="0"/>
               </a:rPr>
-              <a:t>Create the Database</a:t>
+              <a:t>Delete Operations</a:t>
             </a:r>
           </a:p>
         </p:txBody>
       </p:sp>
       <p:pic>
         <p:nvPicPr>
-          <p:cNvPr id="4" name="Content Placeholder 3"/>
+          <p:cNvPr id="5" name="Content Placeholder 4"/>
           <p:cNvPicPr>
             <a:picLocks noGrp="1" noChangeAspect="1"/>
           </p:cNvPicPr>
@@ -8341,8 +8524,8 @@
         </p:blipFill>
         <p:spPr>
           <a:xfrm>
-            <a:off x="525209" y="1600200"/>
-            <a:ext cx="8093581" cy="4525963"/>
+            <a:off x="457200" y="1958787"/>
+            <a:ext cx="8229600" cy="3808789"/>
           </a:xfrm>
           <a:prstGeom prst="rect">
             <a:avLst/>
@@ -8351,10 +8534,10 @@
       </p:pic>
       <p:sp>
         <p:nvSpPr>
-          <p:cNvPr id="5" name="TextBox 4">
+          <p:cNvPr id="4" name="TextBox 3">
             <a:extLst>
               <a:ext uri="{FF2B5EF4-FFF2-40B4-BE49-F238E27FC236}">
-                <a16:creationId xmlns:a16="http://schemas.microsoft.com/office/drawing/2014/main" id="{95A236DE-928A-4103-B8AD-E652E5AA4571}"/>
+                <a16:creationId xmlns:a16="http://schemas.microsoft.com/office/drawing/2014/main" id="{CD705A32-691E-4A19-A38F-5EA4D9EC72B3}"/>
               </a:ext>
             </a:extLst>
           </p:cNvPr>
@@ -8394,7 +8577,7 @@
     </p:spTree>
     <p:extLst>
       <p:ext uri="{BB962C8B-B14F-4D97-AF65-F5344CB8AC3E}">
-        <p14:creationId xmlns:p14="http://schemas.microsoft.com/office/powerpoint/2010/main" val="3067202513"/>
+        <p14:creationId xmlns:p14="http://schemas.microsoft.com/office/powerpoint/2010/main" val="1733221534"/>
       </p:ext>
     </p:extLst>
   </p:cSld>
@@ -8443,14 +8626,14 @@
               <a:rPr lang="en-US" dirty="0">
                 <a:latin typeface="Georgia" panose="02040502050405020303" pitchFamily="18" charset="0"/>
               </a:rPr>
-              <a:t>Create the Collection</a:t>
+              <a:t>Drop the Collection</a:t>
             </a:r>
           </a:p>
         </p:txBody>
       </p:sp>
       <p:pic>
         <p:nvPicPr>
-          <p:cNvPr id="6" name="Content Placeholder 5"/>
+          <p:cNvPr id="7" name="Content Placeholder 6"/>
           <p:cNvPicPr>
             <a:picLocks noGrp="1" noChangeAspect="1"/>
           </p:cNvPicPr>
@@ -8466,8 +8649,8 @@
         </p:blipFill>
         <p:spPr>
           <a:xfrm>
-            <a:off x="457200" y="1619131"/>
-            <a:ext cx="8229600" cy="4488101"/>
+            <a:off x="457200" y="1895873"/>
+            <a:ext cx="8229600" cy="3934616"/>
           </a:xfrm>
           <a:prstGeom prst="rect">
             <a:avLst/>
@@ -8479,7 +8662,7 @@
           <p:cNvPr id="4" name="TextBox 3">
             <a:extLst>
               <a:ext uri="{FF2B5EF4-FFF2-40B4-BE49-F238E27FC236}">
-                <a16:creationId xmlns:a16="http://schemas.microsoft.com/office/drawing/2014/main" id="{70726051-AA1B-4751-8250-B5BC9E596D89}"/>
+                <a16:creationId xmlns:a16="http://schemas.microsoft.com/office/drawing/2014/main" id="{508AC8A1-3347-4027-9AB0-FE3DEDD22275}"/>
               </a:ext>
             </a:extLst>
           </p:cNvPr>
@@ -8519,7 +8702,7 @@
     </p:spTree>
     <p:extLst>
       <p:ext uri="{BB962C8B-B14F-4D97-AF65-F5344CB8AC3E}">
-        <p14:creationId xmlns:p14="http://schemas.microsoft.com/office/powerpoint/2010/main" val="3068785445"/>
+        <p14:creationId xmlns:p14="http://schemas.microsoft.com/office/powerpoint/2010/main" val="2048845462"/>
       </p:ext>
     </p:extLst>
   </p:cSld>
@@ -8568,72 +8751,43 @@
               <a:rPr lang="en-US" dirty="0">
                 <a:latin typeface="Georgia" panose="02040502050405020303" pitchFamily="18" charset="0"/>
               </a:rPr>
-              <a:t>MongoDB CRUD Operations</a:t>
-            </a:r>
-          </a:p>
-        </p:txBody>
-      </p:sp>
-      <p:sp>
-        <p:nvSpPr>
-          <p:cNvPr id="4" name="Content Placeholder 3"/>
-          <p:cNvSpPr>
-            <a:spLocks noGrp="1"/>
-          </p:cNvSpPr>
+              <a:t>Drop the Collection</a:t>
+            </a:r>
+          </a:p>
+        </p:txBody>
+      </p:sp>
+      <p:pic>
+        <p:nvPicPr>
+          <p:cNvPr id="3" name="Content Placeholder 2"/>
+          <p:cNvPicPr>
+            <a:picLocks noGrp="1" noChangeAspect="1"/>
+          </p:cNvPicPr>
           <p:nvPr>
             <p:ph idx="1"/>
           </p:nvPr>
-        </p:nvSpPr>
-        <p:spPr/>
-        <p:txBody>
-          <a:bodyPr>
-            <a:normAutofit/>
-          </a:bodyPr>
-          <a:lstStyle/>
-          <a:p>
-            <a:r>
-              <a:rPr lang="en-US" sz="2400" dirty="0">
-                <a:latin typeface="Georgia" panose="02040502050405020303" pitchFamily="18" charset="0"/>
-              </a:rPr>
-              <a:t>Create Operations</a:t>
-            </a:r>
-          </a:p>
-          <a:p>
-            <a:r>
-              <a:rPr lang="en-US" sz="2400" dirty="0">
-                <a:latin typeface="Georgia" panose="02040502050405020303" pitchFamily="18" charset="0"/>
-              </a:rPr>
-              <a:t>Read Operations</a:t>
-            </a:r>
-          </a:p>
-          <a:p>
-            <a:r>
-              <a:rPr lang="en-US" sz="2400" dirty="0">
-                <a:latin typeface="Georgia" panose="02040502050405020303" pitchFamily="18" charset="0"/>
-              </a:rPr>
-              <a:t>Update Operations</a:t>
-            </a:r>
-          </a:p>
-          <a:p>
-            <a:r>
-              <a:rPr lang="en-US" sz="2400" dirty="0">
-                <a:latin typeface="Georgia" panose="02040502050405020303" pitchFamily="18" charset="0"/>
-              </a:rPr>
-              <a:t>Delete Operations</a:t>
-            </a:r>
-          </a:p>
-          <a:p>
-            <a:endParaRPr lang="en-US" sz="2400" dirty="0">
-              <a:latin typeface="Georgia" panose="02040502050405020303" pitchFamily="18" charset="0"/>
-            </a:endParaRPr>
-          </a:p>
-        </p:txBody>
-      </p:sp>
-      <p:sp>
-        <p:nvSpPr>
-          <p:cNvPr id="5" name="TextBox 4">
+        </p:nvPicPr>
+        <p:blipFill>
+          <a:blip r:embed="rId2"/>
+          <a:stretch>
+            <a:fillRect/>
+          </a:stretch>
+        </p:blipFill>
+        <p:spPr>
+          <a:xfrm>
+            <a:off x="457200" y="1683720"/>
+            <a:ext cx="8229600" cy="4358923"/>
+          </a:xfrm>
+          <a:prstGeom prst="rect">
+            <a:avLst/>
+          </a:prstGeom>
+        </p:spPr>
+      </p:pic>
+      <p:sp>
+        <p:nvSpPr>
+          <p:cNvPr id="4" name="TextBox 3">
             <a:extLst>
               <a:ext uri="{FF2B5EF4-FFF2-40B4-BE49-F238E27FC236}">
-                <a16:creationId xmlns:a16="http://schemas.microsoft.com/office/drawing/2014/main" id="{14859E78-76ED-4419-AF47-B8EE22F9EB0D}"/>
+                <a16:creationId xmlns:a16="http://schemas.microsoft.com/office/drawing/2014/main" id="{599D4F2E-1873-407F-B233-C50E5499E937}"/>
               </a:ext>
             </a:extLst>
           </p:cNvPr>
@@ -8662,7 +8816,7 @@
             </a:r>
             <a:r>
               <a:rPr lang="fr-FR" sz="1200" dirty="0">
-                <a:hlinkClick r:id="rId2"/>
+                <a:hlinkClick r:id="rId3"/>
               </a:rPr>
               <a:t>https://docs.mongodb.com/</a:t>
             </a:r>
@@ -8673,7 +8827,7 @@
     </p:spTree>
     <p:extLst>
       <p:ext uri="{BB962C8B-B14F-4D97-AF65-F5344CB8AC3E}">
-        <p14:creationId xmlns:p14="http://schemas.microsoft.com/office/powerpoint/2010/main" val="2654949751"/>
+        <p14:creationId xmlns:p14="http://schemas.microsoft.com/office/powerpoint/2010/main" val="601973460"/>
       </p:ext>
     </p:extLst>
   </p:cSld>
@@ -8722,7 +8876,7 @@
               <a:rPr lang="en-US" dirty="0">
                 <a:latin typeface="Georgia" panose="02040502050405020303" pitchFamily="18" charset="0"/>
               </a:rPr>
-              <a:t>Create Operations</a:t>
+              <a:t>Start the MongoDB Server</a:t>
             </a:r>
           </a:p>
         </p:txBody>
@@ -8735,104 +8889,216 @@
           </p:cNvSpPr>
           <p:nvPr>
             <p:ph idx="1"/>
-            <p:extLst/>
-          </p:nvPr>
-        </p:nvSpPr>
-        <p:spPr/>
-        <p:txBody>
-          <a:bodyPr vert="horz" lIns="91440" tIns="45720" rIns="91440" bIns="45720" rtlCol="0" anchor="t">
+          </p:nvPr>
+        </p:nvSpPr>
+        <p:spPr/>
+        <p:txBody>
+          <a:bodyPr>
             <a:normAutofit/>
           </a:bodyPr>
           <a:lstStyle/>
           <a:p>
+            <a:pPr>
+              <a:buFont typeface="Arial" panose="020B0604020202020204" pitchFamily="34" charset="0"/>
+              <a:buChar char="•"/>
+            </a:pPr>
             <a:r>
               <a:rPr lang="en-US" sz="2400" dirty="0">
                 <a:latin typeface="Georgia" panose="02040502050405020303" pitchFamily="18" charset="0"/>
               </a:rPr>
-              <a:t>Create or insert operations add new documents to a collection</a:t>
-            </a:r>
-          </a:p>
-          <a:p>
-            <a:r>
-              <a:rPr lang="en-US" sz="2400" dirty="0">
-                <a:latin typeface="Georgia" panose="02040502050405020303" pitchFamily="18" charset="0"/>
-              </a:rPr>
-              <a:t>If the collection does not currently exist, insert operations will create the collection</a:t>
-            </a:r>
-          </a:p>
-          <a:p>
-            <a:r>
-              <a:rPr lang="en-US" sz="2400" dirty="0">
-                <a:latin typeface="Georgia" panose="02040502050405020303" pitchFamily="18" charset="0"/>
-              </a:rPr>
-              <a:t>MongoDB provides the following methods to insert documents into a collection:</a:t>
-            </a:r>
-          </a:p>
-          <a:p>
-            <a:pPr lvl="2"/>
-            <a:r>
-              <a:rPr lang="en-US" sz="2000" dirty="0" err="1">
+              <a:t>Command: </a:t>
+            </a:r>
+            <a:r>
+              <a:rPr lang="en-US" sz="2400" dirty="0" err="1">
                 <a:solidFill>
                   <a:srgbClr val="00B050"/>
                 </a:solidFill>
                 <a:latin typeface="Georgia" panose="02040502050405020303" pitchFamily="18" charset="0"/>
               </a:rPr>
-              <a:t>db.collection.insertOne</a:t>
-            </a:r>
-            <a:r>
-              <a:rPr lang="en-US" sz="2000" dirty="0">
+              <a:t>mongod</a:t>
+            </a:r>
+            <a:r>
+              <a:rPr lang="en-US" sz="2400" dirty="0">
                 <a:solidFill>
                   <a:srgbClr val="00B050"/>
                 </a:solidFill>
                 <a:latin typeface="Georgia" panose="02040502050405020303" pitchFamily="18" charset="0"/>
               </a:rPr>
-              <a:t>()</a:t>
-            </a:r>
-          </a:p>
-          <a:p>
-            <a:pPr lvl="2"/>
-            <a:r>
-              <a:rPr lang="en-US" sz="2000" dirty="0" err="1">
+              <a:t> --</a:t>
+            </a:r>
+            <a:r>
+              <a:rPr lang="en-US" sz="2400" dirty="0" err="1">
                 <a:solidFill>
                   <a:srgbClr val="00B050"/>
                 </a:solidFill>
                 <a:latin typeface="Georgia" panose="02040502050405020303" pitchFamily="18" charset="0"/>
               </a:rPr>
-              <a:t>db.collection.insertMany</a:t>
-            </a:r>
-            <a:r>
-              <a:rPr lang="en-US" sz="2000" dirty="0">
+              <a:t>dbpath</a:t>
+            </a:r>
+            <a:r>
+              <a:rPr lang="en-US" sz="2400" dirty="0">
                 <a:solidFill>
                   <a:srgbClr val="00B050"/>
                 </a:solidFill>
                 <a:latin typeface="Georgia" panose="02040502050405020303" pitchFamily="18" charset="0"/>
               </a:rPr>
-              <a:t>()</a:t>
-            </a:r>
-          </a:p>
-          <a:p>
-            <a:pPr lvl="2"/>
-            <a:r>
-              <a:rPr lang="en-US" sz="2000" dirty="0" err="1">
+              <a:t> “path where to initiate DB”</a:t>
+            </a:r>
+          </a:p>
+          <a:p>
+            <a:pPr marL="0" indent="0">
+              <a:buNone/>
+            </a:pPr>
+            <a:r>
+              <a:rPr lang="en-US" sz="2400" dirty="0">
+                <a:solidFill>
+                  <a:schemeClr val="accent6">
+                    <a:lumMod val="75000"/>
+                  </a:schemeClr>
+                </a:solidFill>
+                <a:latin typeface="Georgia" panose="02040502050405020303" pitchFamily="18" charset="0"/>
+              </a:rPr>
+              <a:t>		</a:t>
+            </a:r>
+            <a:r>
+              <a:rPr lang="en-US" sz="1400" i="1" dirty="0" err="1">
+                <a:solidFill>
+                  <a:schemeClr val="accent6">
+                    <a:lumMod val="75000"/>
+                  </a:schemeClr>
+                </a:solidFill>
+                <a:latin typeface="Georgia" panose="02040502050405020303" pitchFamily="18" charset="0"/>
+              </a:rPr>
+              <a:t>Eg</a:t>
+            </a:r>
+            <a:r>
+              <a:rPr lang="en-US" sz="1400" i="1" dirty="0">
+                <a:solidFill>
+                  <a:schemeClr val="accent6">
+                    <a:lumMod val="75000"/>
+                  </a:schemeClr>
+                </a:solidFill>
+                <a:latin typeface="Georgia" panose="02040502050405020303" pitchFamily="18" charset="0"/>
+              </a:rPr>
+              <a:t>: </a:t>
+            </a:r>
+            <a:r>
+              <a:rPr lang="en-US" sz="1400" i="1" dirty="0" err="1">
+                <a:solidFill>
+                  <a:schemeClr val="accent6">
+                    <a:lumMod val="75000"/>
+                  </a:schemeClr>
+                </a:solidFill>
+                <a:latin typeface="Georgia" panose="02040502050405020303" pitchFamily="18" charset="0"/>
+              </a:rPr>
+              <a:t>mongod</a:t>
+            </a:r>
+            <a:r>
+              <a:rPr lang="en-US" sz="1400" i="1" dirty="0">
+                <a:solidFill>
+                  <a:schemeClr val="accent6">
+                    <a:lumMod val="75000"/>
+                  </a:schemeClr>
+                </a:solidFill>
+                <a:latin typeface="Georgia" panose="02040502050405020303" pitchFamily="18" charset="0"/>
+              </a:rPr>
+              <a:t> --</a:t>
+            </a:r>
+            <a:r>
+              <a:rPr lang="en-US" sz="1400" i="1" dirty="0" err="1">
+                <a:solidFill>
+                  <a:schemeClr val="accent6">
+                    <a:lumMod val="75000"/>
+                  </a:schemeClr>
+                </a:solidFill>
+                <a:latin typeface="Georgia" panose="02040502050405020303" pitchFamily="18" charset="0"/>
+              </a:rPr>
+              <a:t>dbpath</a:t>
+            </a:r>
+            <a:r>
+              <a:rPr lang="en-US" sz="1400" i="1" dirty="0">
+                <a:solidFill>
+                  <a:schemeClr val="accent6">
+                    <a:lumMod val="75000"/>
+                  </a:schemeClr>
+                </a:solidFill>
+                <a:latin typeface="Georgia" panose="02040502050405020303" pitchFamily="18" charset="0"/>
+              </a:rPr>
+              <a:t> “C:\Users\Vijaya\Desktop\</a:t>
+            </a:r>
+            <a:r>
+              <a:rPr lang="en-US" sz="1400" i="1" dirty="0" err="1">
+                <a:solidFill>
+                  <a:schemeClr val="accent6">
+                    <a:lumMod val="75000"/>
+                  </a:schemeClr>
+                </a:solidFill>
+                <a:latin typeface="Georgia" panose="02040502050405020303" pitchFamily="18" charset="0"/>
+              </a:rPr>
+              <a:t>AP_Web</a:t>
+            </a:r>
+            <a:r>
+              <a:rPr lang="en-US" sz="1400" i="1" dirty="0">
+                <a:solidFill>
+                  <a:schemeClr val="accent6">
+                    <a:lumMod val="75000"/>
+                  </a:schemeClr>
+                </a:solidFill>
+                <a:latin typeface="Georgia" panose="02040502050405020303" pitchFamily="18" charset="0"/>
+              </a:rPr>
+              <a:t>\NodeJS\MongoDB”</a:t>
+            </a:r>
+          </a:p>
+          <a:p>
+            <a:pPr>
+              <a:buFont typeface="Arial" panose="020B0604020202020204" pitchFamily="34" charset="0"/>
+              <a:buChar char="•"/>
+            </a:pPr>
+            <a:r>
+              <a:rPr lang="en-US" sz="2400" dirty="0">
+                <a:latin typeface="Georgia" panose="02040502050405020303" pitchFamily="18" charset="0"/>
+              </a:rPr>
+              <a:t>To create a database in MongoDB, start by creating a </a:t>
+            </a:r>
+            <a:r>
+              <a:rPr lang="en-US" sz="2400" dirty="0" err="1">
                 <a:solidFill>
                   <a:srgbClr val="00B050"/>
                 </a:solidFill>
                 <a:latin typeface="Georgia" panose="02040502050405020303" pitchFamily="18" charset="0"/>
               </a:rPr>
-              <a:t>db.collection.insert</a:t>
-            </a:r>
-            <a:r>
-              <a:rPr lang="en-US" sz="2000" dirty="0">
-                <a:solidFill>
-                  <a:srgbClr val="00B050"/>
-                </a:solidFill>
-                <a:latin typeface="Georgia" panose="02040502050405020303" pitchFamily="18" charset="0"/>
-              </a:rPr>
-              <a:t>()</a:t>
-            </a:r>
-            <a:endParaRPr lang="en-US" sz="2000" dirty="0">
-              <a:latin typeface="Georgia" panose="02040502050405020303" pitchFamily="18" charset="0"/>
-            </a:endParaRPr>
+              <a:t>MongoClient</a:t>
+            </a:r>
+            <a:r>
+              <a:rPr lang="en-US" sz="2400" dirty="0">
+                <a:latin typeface="Georgia" panose="02040502050405020303" pitchFamily="18" charset="0"/>
+              </a:rPr>
+              <a:t> object, then specify a connection URL with the correct </a:t>
+            </a:r>
+            <a:r>
+              <a:rPr lang="en-US" sz="2400" dirty="0" err="1">
+                <a:latin typeface="Georgia" panose="02040502050405020303" pitchFamily="18" charset="0"/>
+              </a:rPr>
+              <a:t>ip</a:t>
+            </a:r>
+            <a:r>
+              <a:rPr lang="en-US" sz="2400" dirty="0">
+                <a:latin typeface="Georgia" panose="02040502050405020303" pitchFamily="18" charset="0"/>
+              </a:rPr>
+              <a:t> address and the name of the database you want to create</a:t>
+            </a:r>
+          </a:p>
+          <a:p>
+            <a:pPr>
+              <a:buFont typeface="Arial" panose="020B0604020202020204" pitchFamily="34" charset="0"/>
+              <a:buChar char="•"/>
+            </a:pPr>
+            <a:r>
+              <a:rPr lang="en-US" sz="2400" dirty="0">
+                <a:latin typeface="Georgia" panose="02040502050405020303" pitchFamily="18" charset="0"/>
+              </a:rPr>
+              <a:t>MongoDB will create the database if it does not exist, and make a connection to it</a:t>
+            </a:r>
           </a:p>
         </p:txBody>
       </p:sp>
@@ -8841,7 +9107,7 @@
           <p:cNvPr id="4" name="TextBox 3">
             <a:extLst>
               <a:ext uri="{FF2B5EF4-FFF2-40B4-BE49-F238E27FC236}">
-                <a16:creationId xmlns:a16="http://schemas.microsoft.com/office/drawing/2014/main" id="{A8877C72-F4FE-4B1C-BB76-99C083153DC1}"/>
+                <a16:creationId xmlns:a16="http://schemas.microsoft.com/office/drawing/2014/main" id="{A68C771B-F764-42DA-9DFE-1EEC354021CF}"/>
               </a:ext>
             </a:extLst>
           </p:cNvPr>
@@ -8881,7 +9147,7 @@
     </p:spTree>
     <p:extLst>
       <p:ext uri="{BB962C8B-B14F-4D97-AF65-F5344CB8AC3E}">
-        <p14:creationId xmlns:p14="http://schemas.microsoft.com/office/powerpoint/2010/main" val="2324598701"/>
+        <p14:creationId xmlns:p14="http://schemas.microsoft.com/office/powerpoint/2010/main" val="1677916106"/>
       </p:ext>
     </p:extLst>
   </p:cSld>
@@ -8930,7 +9196,7 @@
               <a:rPr lang="en-US" dirty="0">
                 <a:latin typeface="Georgia" panose="02040502050405020303" pitchFamily="18" charset="0"/>
               </a:rPr>
-              <a:t>Create Operations</a:t>
+              <a:t>Create the Database</a:t>
             </a:r>
           </a:p>
         </p:txBody>
@@ -8953,8 +9219,8 @@
         </p:blipFill>
         <p:spPr>
           <a:xfrm>
-            <a:off x="457200" y="1941159"/>
-            <a:ext cx="8229600" cy="3844045"/>
+            <a:off x="525209" y="1600200"/>
+            <a:ext cx="8093581" cy="4525963"/>
           </a:xfrm>
           <a:prstGeom prst="rect">
             <a:avLst/>
@@ -8966,7 +9232,7 @@
           <p:cNvPr id="5" name="TextBox 4">
             <a:extLst>
               <a:ext uri="{FF2B5EF4-FFF2-40B4-BE49-F238E27FC236}">
-                <a16:creationId xmlns:a16="http://schemas.microsoft.com/office/drawing/2014/main" id="{0DB64C01-1A8D-4172-985E-96AAF229D388}"/>
+                <a16:creationId xmlns:a16="http://schemas.microsoft.com/office/drawing/2014/main" id="{95A236DE-928A-4103-B8AD-E652E5AA4571}"/>
               </a:ext>
             </a:extLst>
           </p:cNvPr>
@@ -9006,7 +9272,7 @@
     </p:spTree>
     <p:extLst>
       <p:ext uri="{BB962C8B-B14F-4D97-AF65-F5344CB8AC3E}">
-        <p14:creationId xmlns:p14="http://schemas.microsoft.com/office/powerpoint/2010/main" val="3946733181"/>
+        <p14:creationId xmlns:p14="http://schemas.microsoft.com/office/powerpoint/2010/main" val="3067202513"/>
       </p:ext>
     </p:extLst>
   </p:cSld>
@@ -9055,105 +9321,43 @@
               <a:rPr lang="en-US" dirty="0">
                 <a:latin typeface="Georgia" panose="02040502050405020303" pitchFamily="18" charset="0"/>
               </a:rPr>
-              <a:t>Read Operations</a:t>
-            </a:r>
-          </a:p>
-        </p:txBody>
-      </p:sp>
-      <p:sp>
-        <p:nvSpPr>
-          <p:cNvPr id="3" name="Content Placeholder 2"/>
-          <p:cNvSpPr>
-            <a:spLocks noGrp="1"/>
-          </p:cNvSpPr>
+              <a:t>Create the Collection</a:t>
+            </a:r>
+          </a:p>
+        </p:txBody>
+      </p:sp>
+      <p:pic>
+        <p:nvPicPr>
+          <p:cNvPr id="6" name="Content Placeholder 5"/>
+          <p:cNvPicPr>
+            <a:picLocks noGrp="1" noChangeAspect="1"/>
+          </p:cNvPicPr>
           <p:nvPr>
             <p:ph idx="1"/>
           </p:nvPr>
-        </p:nvSpPr>
-        <p:spPr/>
-        <p:txBody>
-          <a:bodyPr>
-            <a:normAutofit/>
-          </a:bodyPr>
-          <a:lstStyle/>
-          <a:p>
-            <a:r>
-              <a:rPr lang="en-US" sz="2400" dirty="0">
-                <a:latin typeface="Georgia" panose="02040502050405020303" pitchFamily="18" charset="0"/>
-              </a:rPr>
-              <a:t>Read operations retrieves documents from a collection</a:t>
-            </a:r>
-          </a:p>
-          <a:p>
-            <a:r>
-              <a:rPr lang="en-US" sz="2400" dirty="0">
-                <a:latin typeface="Georgia" panose="02040502050405020303" pitchFamily="18" charset="0"/>
-              </a:rPr>
-              <a:t>i.e. queries a collection for documents</a:t>
-            </a:r>
-          </a:p>
-          <a:p>
-            <a:r>
-              <a:rPr lang="en-US" sz="2400" dirty="0">
-                <a:latin typeface="Georgia" panose="02040502050405020303" pitchFamily="18" charset="0"/>
-              </a:rPr>
-              <a:t>MongoDB provides the following methods to read documents from a collection:</a:t>
-            </a:r>
-          </a:p>
-          <a:p>
-            <a:pPr marL="0" indent="0">
-              <a:buNone/>
-            </a:pPr>
-            <a:r>
-              <a:rPr lang="en-US" sz="2400" dirty="0">
-                <a:solidFill>
-                  <a:srgbClr val="00B050"/>
-                </a:solidFill>
-                <a:latin typeface="Georgia" panose="02040502050405020303" pitchFamily="18" charset="0"/>
-              </a:rPr>
-              <a:t>		</a:t>
-            </a:r>
-            <a:r>
-              <a:rPr lang="en-US" sz="2400" dirty="0" err="1">
-                <a:solidFill>
-                  <a:srgbClr val="00B050"/>
-                </a:solidFill>
-                <a:latin typeface="Georgia" panose="02040502050405020303" pitchFamily="18" charset="0"/>
-              </a:rPr>
-              <a:t>db.collection.find</a:t>
-            </a:r>
-            <a:r>
-              <a:rPr lang="en-US" sz="2400" dirty="0">
-                <a:solidFill>
-                  <a:srgbClr val="00B050"/>
-                </a:solidFill>
-                <a:latin typeface="Georgia" panose="02040502050405020303" pitchFamily="18" charset="0"/>
-              </a:rPr>
-              <a:t>()</a:t>
-            </a:r>
-          </a:p>
-          <a:p>
-            <a:r>
-              <a:rPr lang="en-US" sz="2400" dirty="0">
-                <a:latin typeface="Georgia" panose="02040502050405020303" pitchFamily="18" charset="0"/>
-              </a:rPr>
-              <a:t>You can specify query filters or criteria that identify the documents to return</a:t>
-            </a:r>
-            <a:endParaRPr lang="en-US" sz="2000" dirty="0">
-              <a:solidFill>
-                <a:srgbClr val="00B050"/>
-              </a:solidFill>
-              <a:latin typeface="Georgia" panose="02040502050405020303" pitchFamily="18" charset="0"/>
-            </a:endParaRPr>
-          </a:p>
-        </p:txBody>
-      </p:sp>
+        </p:nvPicPr>
+        <p:blipFill>
+          <a:blip r:embed="rId2"/>
+          <a:stretch>
+            <a:fillRect/>
+          </a:stretch>
+        </p:blipFill>
+        <p:spPr>
+          <a:xfrm>
+            <a:off x="457200" y="1619131"/>
+            <a:ext cx="8229600" cy="4488101"/>
+          </a:xfrm>
+          <a:prstGeom prst="rect">
+            <a:avLst/>
+          </a:prstGeom>
+        </p:spPr>
+      </p:pic>
       <p:sp>
         <p:nvSpPr>
           <p:cNvPr id="4" name="TextBox 3">
             <a:extLst>
               <a:ext uri="{FF2B5EF4-FFF2-40B4-BE49-F238E27FC236}">
-                <a16:creationId xmlns:a16="http://schemas.microsoft.com/office/drawing/2014/main" id="{52100BCA-507E-424B-BF8E-F5F873871ADA}"/>
+                <a16:creationId xmlns:a16="http://schemas.microsoft.com/office/drawing/2014/main" id="{70726051-AA1B-4751-8250-B5BC9E596D89}"/>
               </a:ext>
             </a:extLst>
           </p:cNvPr>
@@ -9182,7 +9386,7 @@
             </a:r>
             <a:r>
               <a:rPr lang="fr-FR" sz="1200" dirty="0">
-                <a:hlinkClick r:id="rId2"/>
+                <a:hlinkClick r:id="rId3"/>
               </a:rPr>
               <a:t>https://docs.mongodb.com/</a:t>
             </a:r>
@@ -9193,7 +9397,7 @@
     </p:spTree>
     <p:extLst>
       <p:ext uri="{BB962C8B-B14F-4D97-AF65-F5344CB8AC3E}">
-        <p14:creationId xmlns:p14="http://schemas.microsoft.com/office/powerpoint/2010/main" val="1132174365"/>
+        <p14:creationId xmlns:p14="http://schemas.microsoft.com/office/powerpoint/2010/main" val="3068785445"/>
       </p:ext>
     </p:extLst>
   </p:cSld>
@@ -9485,43 +9689,72 @@
               <a:rPr lang="en-US" dirty="0">
                 <a:latin typeface="Georgia" panose="02040502050405020303" pitchFamily="18" charset="0"/>
               </a:rPr>
+              <a:t>MongoDB CRUD Operations</a:t>
+            </a:r>
+          </a:p>
+        </p:txBody>
+      </p:sp>
+      <p:sp>
+        <p:nvSpPr>
+          <p:cNvPr id="4" name="Content Placeholder 3"/>
+          <p:cNvSpPr>
+            <a:spLocks noGrp="1"/>
+          </p:cNvSpPr>
+          <p:nvPr>
+            <p:ph idx="1"/>
+          </p:nvPr>
+        </p:nvSpPr>
+        <p:spPr/>
+        <p:txBody>
+          <a:bodyPr>
+            <a:normAutofit/>
+          </a:bodyPr>
+          <a:lstStyle/>
+          <a:p>
+            <a:r>
+              <a:rPr lang="en-US" sz="2400" dirty="0">
+                <a:latin typeface="Georgia" panose="02040502050405020303" pitchFamily="18" charset="0"/>
+              </a:rPr>
+              <a:t>Create Operations</a:t>
+            </a:r>
+          </a:p>
+          <a:p>
+            <a:r>
+              <a:rPr lang="en-US" sz="2400" dirty="0">
+                <a:latin typeface="Georgia" panose="02040502050405020303" pitchFamily="18" charset="0"/>
+              </a:rPr>
               <a:t>Read Operations</a:t>
             </a:r>
           </a:p>
-        </p:txBody>
-      </p:sp>
-      <p:pic>
-        <p:nvPicPr>
-          <p:cNvPr id="6" name="Content Placeholder 5"/>
-          <p:cNvPicPr>
-            <a:picLocks noGrp="1" noChangeAspect="1"/>
-          </p:cNvPicPr>
-          <p:nvPr>
-            <p:ph idx="1"/>
-          </p:nvPr>
-        </p:nvPicPr>
-        <p:blipFill>
-          <a:blip r:embed="rId2"/>
-          <a:stretch>
-            <a:fillRect/>
-          </a:stretch>
-        </p:blipFill>
-        <p:spPr>
-          <a:xfrm>
-            <a:off x="600627" y="1600200"/>
-            <a:ext cx="7942746" cy="4525963"/>
-          </a:xfrm>
-          <a:prstGeom prst="rect">
-            <a:avLst/>
-          </a:prstGeom>
-        </p:spPr>
-      </p:pic>
-      <p:sp>
-        <p:nvSpPr>
-          <p:cNvPr id="4" name="TextBox 3">
+          <a:p>
+            <a:r>
+              <a:rPr lang="en-US" sz="2400" dirty="0">
+                <a:latin typeface="Georgia" panose="02040502050405020303" pitchFamily="18" charset="0"/>
+              </a:rPr>
+              <a:t>Update Operations</a:t>
+            </a:r>
+          </a:p>
+          <a:p>
+            <a:r>
+              <a:rPr lang="en-US" sz="2400" dirty="0">
+                <a:latin typeface="Georgia" panose="02040502050405020303" pitchFamily="18" charset="0"/>
+              </a:rPr>
+              <a:t>Delete Operations</a:t>
+            </a:r>
+          </a:p>
+          <a:p>
+            <a:endParaRPr lang="en-US" sz="2400" dirty="0">
+              <a:latin typeface="Georgia" panose="02040502050405020303" pitchFamily="18" charset="0"/>
+            </a:endParaRPr>
+          </a:p>
+        </p:txBody>
+      </p:sp>
+      <p:sp>
+        <p:nvSpPr>
+          <p:cNvPr id="5" name="TextBox 4">
             <a:extLst>
               <a:ext uri="{FF2B5EF4-FFF2-40B4-BE49-F238E27FC236}">
-                <a16:creationId xmlns:a16="http://schemas.microsoft.com/office/drawing/2014/main" id="{6A223AB5-5BDB-47E9-925F-63F0D56F889B}"/>
+                <a16:creationId xmlns:a16="http://schemas.microsoft.com/office/drawing/2014/main" id="{14859E78-76ED-4419-AF47-B8EE22F9EB0D}"/>
               </a:ext>
             </a:extLst>
           </p:cNvPr>
@@ -9550,7 +9783,7 @@
             </a:r>
             <a:r>
               <a:rPr lang="fr-FR" sz="1200" dirty="0">
-                <a:hlinkClick r:id="rId3"/>
+                <a:hlinkClick r:id="rId2"/>
               </a:rPr>
               <a:t>https://docs.mongodb.com/</a:t>
             </a:r>
@@ -9561,7 +9794,7 @@
     </p:spTree>
     <p:extLst>
       <p:ext uri="{BB962C8B-B14F-4D97-AF65-F5344CB8AC3E}">
-        <p14:creationId xmlns:p14="http://schemas.microsoft.com/office/powerpoint/2010/main" val="4243816627"/>
+        <p14:creationId xmlns:p14="http://schemas.microsoft.com/office/powerpoint/2010/main" val="2654949751"/>
       </p:ext>
     </p:extLst>
   </p:cSld>
@@ -9610,170 +9843,43 @@
               <a:rPr lang="en-US" dirty="0">
                 <a:latin typeface="Georgia" panose="02040502050405020303" pitchFamily="18" charset="0"/>
               </a:rPr>
-              <a:t>Update Operations</a:t>
-            </a:r>
-          </a:p>
-        </p:txBody>
-      </p:sp>
-      <p:sp>
-        <p:nvSpPr>
-          <p:cNvPr id="3" name="Content Placeholder 2"/>
-          <p:cNvSpPr>
-            <a:spLocks noGrp="1"/>
-          </p:cNvSpPr>
+              <a:t>Create Operations</a:t>
+            </a:r>
+          </a:p>
+        </p:txBody>
+      </p:sp>
+      <p:pic>
+        <p:nvPicPr>
+          <p:cNvPr id="4" name="Content Placeholder 3"/>
+          <p:cNvPicPr>
+            <a:picLocks noGrp="1" noChangeAspect="1"/>
+          </p:cNvPicPr>
           <p:nvPr>
             <p:ph idx="1"/>
-            <p:extLst/>
-          </p:nvPr>
-        </p:nvSpPr>
-        <p:spPr/>
-        <p:txBody>
-          <a:bodyPr vert="horz" lIns="91440" tIns="45720" rIns="91440" bIns="45720" rtlCol="0" anchor="t">
-            <a:noAutofit/>
-          </a:bodyPr>
-          <a:lstStyle/>
-          <a:p>
-            <a:r>
-              <a:rPr lang="en-US" sz="2400" dirty="0">
-                <a:latin typeface="Georgia" panose="02040502050405020303" pitchFamily="18" charset="0"/>
-              </a:rPr>
-              <a:t>Update operations modify existing documents in a collection</a:t>
-            </a:r>
-          </a:p>
-          <a:p>
-            <a:r>
-              <a:rPr lang="en-US" sz="2400" dirty="0">
-                <a:latin typeface="Georgia" panose="02040502050405020303" pitchFamily="18" charset="0"/>
-              </a:rPr>
-              <a:t>MongoDB provides the following methods to update documents of a collection:</a:t>
-            </a:r>
-            <a:endParaRPr lang="en-US" sz="2400" dirty="0">
-              <a:solidFill>
-                <a:srgbClr val="000000"/>
-              </a:solidFill>
-              <a:latin typeface="Georgia" panose="02040502050405020303" pitchFamily="18" charset="0"/>
-            </a:endParaRPr>
-          </a:p>
-          <a:p>
-            <a:pPr lvl="2">
-              <a:buNone/>
-            </a:pPr>
-            <a:r>
-              <a:rPr lang="en-US" sz="2000" dirty="0" err="1">
-                <a:solidFill>
-                  <a:srgbClr val="00B050"/>
-                </a:solidFill>
-                <a:latin typeface="Georgia" panose="02040502050405020303" pitchFamily="18" charset="0"/>
-              </a:rPr>
-              <a:t>db.collection.update</a:t>
-            </a:r>
-            <a:r>
-              <a:rPr lang="en-US" sz="2000" dirty="0">
-                <a:solidFill>
-                  <a:srgbClr val="00B050"/>
-                </a:solidFill>
-                <a:latin typeface="Georgia" panose="02040502050405020303" pitchFamily="18" charset="0"/>
-              </a:rPr>
-              <a:t>()</a:t>
-            </a:r>
-            <a:endParaRPr lang="en-US" sz="2000" dirty="0">
-              <a:latin typeface="Georgia" panose="02040502050405020303" pitchFamily="18" charset="0"/>
-            </a:endParaRPr>
-          </a:p>
-          <a:p>
-            <a:pPr marL="800100" lvl="2" indent="0">
-              <a:buNone/>
-            </a:pPr>
-            <a:r>
-              <a:rPr lang="en-US" sz="2000" dirty="0" err="1">
-                <a:solidFill>
-                  <a:srgbClr val="00B050"/>
-                </a:solidFill>
-                <a:latin typeface="Georgia" panose="02040502050405020303" pitchFamily="18" charset="0"/>
-              </a:rPr>
-              <a:t>db.collection.updateOne</a:t>
-            </a:r>
-            <a:r>
-              <a:rPr lang="en-US" sz="2000" dirty="0">
-                <a:solidFill>
-                  <a:srgbClr val="00B050"/>
-                </a:solidFill>
-                <a:latin typeface="Georgia" panose="02040502050405020303" pitchFamily="18" charset="0"/>
-              </a:rPr>
-              <a:t>()</a:t>
-            </a:r>
-            <a:endParaRPr dirty="0"/>
-          </a:p>
-          <a:p>
-            <a:pPr marL="800100" lvl="2" indent="0">
-              <a:buNone/>
-            </a:pPr>
-            <a:r>
-              <a:rPr lang="en-US" sz="2000" dirty="0" err="1">
-                <a:solidFill>
-                  <a:srgbClr val="00B050"/>
-                </a:solidFill>
-                <a:latin typeface="Georgia" panose="02040502050405020303" pitchFamily="18" charset="0"/>
-              </a:rPr>
-              <a:t>db.collection.updateMany</a:t>
-            </a:r>
-            <a:r>
-              <a:rPr lang="en-US" sz="2000" dirty="0">
-                <a:solidFill>
-                  <a:srgbClr val="00B050"/>
-                </a:solidFill>
-                <a:latin typeface="Georgia" panose="02040502050405020303" pitchFamily="18" charset="0"/>
-              </a:rPr>
-              <a:t>()</a:t>
-            </a:r>
-          </a:p>
-          <a:p>
-            <a:pPr marL="800100" lvl="2" indent="0">
-              <a:buNone/>
-            </a:pPr>
-            <a:r>
-              <a:rPr lang="en-US" sz="2000" dirty="0" err="1">
-                <a:solidFill>
-                  <a:srgbClr val="00B050"/>
-                </a:solidFill>
-                <a:latin typeface="Georgia" panose="02040502050405020303" pitchFamily="18" charset="0"/>
-              </a:rPr>
-              <a:t>db.collection.replaceOne</a:t>
-            </a:r>
-            <a:r>
-              <a:rPr lang="en-US" sz="2000" dirty="0">
-                <a:solidFill>
-                  <a:srgbClr val="00B050"/>
-                </a:solidFill>
-                <a:latin typeface="Georgia" panose="02040502050405020303" pitchFamily="18" charset="0"/>
-              </a:rPr>
-              <a:t>()</a:t>
-            </a:r>
-          </a:p>
-          <a:p>
-            <a:r>
-              <a:rPr lang="en-US" sz="2400" dirty="0">
-                <a:latin typeface="Georgia" panose="02040502050405020303" pitchFamily="18" charset="0"/>
-              </a:rPr>
-              <a:t>You can specify criteria, or filters, that identify the documents to update</a:t>
-            </a:r>
-          </a:p>
-          <a:p>
-            <a:r>
-              <a:rPr lang="en-US" sz="2400" dirty="0">
-                <a:latin typeface="Georgia" panose="02040502050405020303" pitchFamily="18" charset="0"/>
-              </a:rPr>
-              <a:t>These filters use the same syntax as read operations</a:t>
-            </a:r>
-          </a:p>
-        </p:txBody>
-      </p:sp>
-      <p:sp>
-        <p:nvSpPr>
-          <p:cNvPr id="4" name="TextBox 3">
+          </p:nvPr>
+        </p:nvPicPr>
+        <p:blipFill>
+          <a:blip r:embed="rId2"/>
+          <a:stretch>
+            <a:fillRect/>
+          </a:stretch>
+        </p:blipFill>
+        <p:spPr>
+          <a:xfrm>
+            <a:off x="457200" y="1941159"/>
+            <a:ext cx="8229600" cy="3844045"/>
+          </a:xfrm>
+          <a:prstGeom prst="rect">
+            <a:avLst/>
+          </a:prstGeom>
+        </p:spPr>
+      </p:pic>
+      <p:sp>
+        <p:nvSpPr>
+          <p:cNvPr id="5" name="TextBox 4">
             <a:extLst>
               <a:ext uri="{FF2B5EF4-FFF2-40B4-BE49-F238E27FC236}">
-                <a16:creationId xmlns:a16="http://schemas.microsoft.com/office/drawing/2014/main" id="{844FAAE5-B1FF-4438-BDE9-47C6FF5E50EB}"/>
+                <a16:creationId xmlns:a16="http://schemas.microsoft.com/office/drawing/2014/main" id="{0DB64C01-1A8D-4172-985E-96AAF229D388}"/>
               </a:ext>
             </a:extLst>
           </p:cNvPr>
@@ -9802,7 +9908,7 @@
             </a:r>
             <a:r>
               <a:rPr lang="fr-FR" sz="1200" dirty="0">
-                <a:hlinkClick r:id="rId2"/>
+                <a:hlinkClick r:id="rId3"/>
               </a:rPr>
               <a:t>https://docs.mongodb.com/</a:t>
             </a:r>
@@ -9813,7 +9919,7 @@
     </p:spTree>
     <p:extLst>
       <p:ext uri="{BB962C8B-B14F-4D97-AF65-F5344CB8AC3E}">
-        <p14:creationId xmlns:p14="http://schemas.microsoft.com/office/powerpoint/2010/main" val="3170916187"/>
+        <p14:creationId xmlns:p14="http://schemas.microsoft.com/office/powerpoint/2010/main" val="3946733181"/>
       </p:ext>
     </p:extLst>
   </p:cSld>
@@ -9862,14 +9968,14 @@
               <a:rPr lang="en-US" dirty="0">
                 <a:latin typeface="Georgia" panose="02040502050405020303" pitchFamily="18" charset="0"/>
               </a:rPr>
-              <a:t>Update Operations</a:t>
+              <a:t>Read Operations</a:t>
             </a:r>
           </a:p>
         </p:txBody>
       </p:sp>
       <p:pic>
         <p:nvPicPr>
-          <p:cNvPr id="5" name="Content Placeholder 4"/>
+          <p:cNvPr id="6" name="Content Placeholder 5"/>
           <p:cNvPicPr>
             <a:picLocks noGrp="1" noChangeAspect="1"/>
           </p:cNvPicPr>
@@ -9885,8 +9991,8 @@
         </p:blipFill>
         <p:spPr>
           <a:xfrm>
-            <a:off x="457200" y="2389946"/>
-            <a:ext cx="8229600" cy="2946470"/>
+            <a:off x="600627" y="1600200"/>
+            <a:ext cx="7942746" cy="4525963"/>
           </a:xfrm>
           <a:prstGeom prst="rect">
             <a:avLst/>
@@ -9898,7 +10004,7 @@
           <p:cNvPr id="4" name="TextBox 3">
             <a:extLst>
               <a:ext uri="{FF2B5EF4-FFF2-40B4-BE49-F238E27FC236}">
-                <a16:creationId xmlns:a16="http://schemas.microsoft.com/office/drawing/2014/main" id="{882BA300-C62E-4F75-ADCC-B497C6104E4E}"/>
+                <a16:creationId xmlns:a16="http://schemas.microsoft.com/office/drawing/2014/main" id="{6A223AB5-5BDB-47E9-925F-63F0D56F889B}"/>
               </a:ext>
             </a:extLst>
           </p:cNvPr>
@@ -9938,7 +10044,7 @@
     </p:spTree>
     <p:extLst>
       <p:ext uri="{BB962C8B-B14F-4D97-AF65-F5344CB8AC3E}">
-        <p14:creationId xmlns:p14="http://schemas.microsoft.com/office/powerpoint/2010/main" val="3718299080"/>
+        <p14:creationId xmlns:p14="http://schemas.microsoft.com/office/powerpoint/2010/main" val="4243816627"/>
       </p:ext>
     </p:extLst>
   </p:cSld>
@@ -9987,149 +10093,43 @@
               <a:rPr lang="en-US" dirty="0">
                 <a:latin typeface="Georgia" panose="02040502050405020303" pitchFamily="18" charset="0"/>
               </a:rPr>
-              <a:t>Delete Operations</a:t>
-            </a:r>
-          </a:p>
-        </p:txBody>
-      </p:sp>
-      <p:sp>
-        <p:nvSpPr>
-          <p:cNvPr id="3" name="Content Placeholder 2"/>
-          <p:cNvSpPr>
-            <a:spLocks noGrp="1"/>
-          </p:cNvSpPr>
+              <a:t>Update Operations</a:t>
+            </a:r>
+          </a:p>
+        </p:txBody>
+      </p:sp>
+      <p:pic>
+        <p:nvPicPr>
+          <p:cNvPr id="5" name="Content Placeholder 4"/>
+          <p:cNvPicPr>
+            <a:picLocks noGrp="1" noChangeAspect="1"/>
+          </p:cNvPicPr>
           <p:nvPr>
             <p:ph idx="1"/>
-            <p:extLst/>
-          </p:nvPr>
-        </p:nvSpPr>
-        <p:spPr/>
-        <p:txBody>
-          <a:bodyPr vert="horz" lIns="91440" tIns="45720" rIns="91440" bIns="45720" rtlCol="0" anchor="t">
-            <a:noAutofit/>
-          </a:bodyPr>
-          <a:lstStyle/>
-          <a:p>
-            <a:r>
-              <a:rPr lang="en-US" sz="2400" dirty="0">
-                <a:latin typeface="Georgia"/>
-              </a:rPr>
-              <a:t>Delete operations remove documents from a collection</a:t>
-            </a:r>
-          </a:p>
-          <a:p>
-            <a:r>
-              <a:rPr lang="en-US" sz="2400" dirty="0">
-                <a:latin typeface="Georgia"/>
-              </a:rPr>
-              <a:t>MongoDB provides the following methods to delete documents of a collection:</a:t>
-            </a:r>
-          </a:p>
-          <a:p>
-            <a:pPr marL="800100" lvl="2" indent="0">
-              <a:buNone/>
-            </a:pPr>
-            <a:r>
-              <a:rPr lang="en-US" dirty="0" err="1">
-                <a:solidFill>
-                  <a:srgbClr val="00B050"/>
-                </a:solidFill>
-                <a:latin typeface="Georgia"/>
-              </a:rPr>
-              <a:t>db.collection.deleteOne</a:t>
-            </a:r>
-            <a:r>
-              <a:rPr lang="en-US" dirty="0">
-                <a:solidFill>
-                  <a:srgbClr val="00B050"/>
-                </a:solidFill>
-                <a:latin typeface="Georgia"/>
-              </a:rPr>
-              <a:t>()</a:t>
-            </a:r>
-          </a:p>
-          <a:p>
-            <a:pPr marL="800100" lvl="2" indent="0">
-              <a:buNone/>
-            </a:pPr>
-            <a:r>
-              <a:rPr lang="en-US" dirty="0" err="1">
-                <a:solidFill>
-                  <a:srgbClr val="00B050"/>
-                </a:solidFill>
-                <a:latin typeface="Georgia"/>
-              </a:rPr>
-              <a:t>db.collection.deleteMany</a:t>
-            </a:r>
-            <a:r>
-              <a:rPr lang="en-US" dirty="0">
-                <a:solidFill>
-                  <a:srgbClr val="00B050"/>
-                </a:solidFill>
-                <a:latin typeface="Georgia"/>
-              </a:rPr>
-              <a:t>()</a:t>
-            </a:r>
-          </a:p>
-          <a:p>
-            <a:pPr lvl="2">
-              <a:buNone/>
-            </a:pPr>
-            <a:r>
-              <a:rPr lang="en-US" dirty="0">
-                <a:solidFill>
-                  <a:srgbClr val="00B050"/>
-                </a:solidFill>
-                <a:latin typeface="Georgia"/>
-              </a:rPr>
-              <a:t>           </a:t>
-            </a:r>
-            <a:r>
-              <a:rPr lang="en-US" dirty="0" err="1">
-                <a:solidFill>
-                  <a:srgbClr val="00B050"/>
-                </a:solidFill>
-                <a:latin typeface="Georgia"/>
-              </a:rPr>
-              <a:t>db.collection.delete</a:t>
-            </a:r>
-            <a:r>
-              <a:rPr lang="en-US" dirty="0">
-                <a:solidFill>
-                  <a:srgbClr val="00B050"/>
-                </a:solidFill>
-                <a:latin typeface="Georgia"/>
-              </a:rPr>
-              <a:t>()</a:t>
-            </a:r>
-            <a:endParaRPr lang="en-US" dirty="0">
-              <a:latin typeface="Georgia"/>
-            </a:endParaRPr>
-          </a:p>
-          <a:p>
-            <a:r>
-              <a:rPr lang="en-US" sz="2400" dirty="0">
-                <a:latin typeface="Georgia"/>
-              </a:rPr>
-              <a:t>You can specify criteria, or filters, that identify the documents to remove</a:t>
-            </a:r>
-          </a:p>
-          <a:p>
-            <a:r>
-              <a:rPr lang="en-US" sz="2400" dirty="0">
-                <a:latin typeface="Georgia"/>
-              </a:rPr>
-              <a:t>These filters use the same syntax as read operations</a:t>
-            </a:r>
-          </a:p>
-        </p:txBody>
-      </p:sp>
+          </p:nvPr>
+        </p:nvPicPr>
+        <p:blipFill>
+          <a:blip r:embed="rId2"/>
+          <a:stretch>
+            <a:fillRect/>
+          </a:stretch>
+        </p:blipFill>
+        <p:spPr>
+          <a:xfrm>
+            <a:off x="457200" y="2389946"/>
+            <a:ext cx="8229600" cy="2946470"/>
+          </a:xfrm>
+          <a:prstGeom prst="rect">
+            <a:avLst/>
+          </a:prstGeom>
+        </p:spPr>
+      </p:pic>
       <p:sp>
         <p:nvSpPr>
           <p:cNvPr id="4" name="TextBox 3">
             <a:extLst>
               <a:ext uri="{FF2B5EF4-FFF2-40B4-BE49-F238E27FC236}">
-                <a16:creationId xmlns:a16="http://schemas.microsoft.com/office/drawing/2014/main" id="{0844CF47-0883-4478-A1F0-0F4889235A32}"/>
+                <a16:creationId xmlns:a16="http://schemas.microsoft.com/office/drawing/2014/main" id="{882BA300-C62E-4F75-ADCC-B497C6104E4E}"/>
               </a:ext>
             </a:extLst>
           </p:cNvPr>
@@ -10158,7 +10158,7 @@
             </a:r>
             <a:r>
               <a:rPr lang="fr-FR" sz="1200" dirty="0">
-                <a:hlinkClick r:id="rId2"/>
+                <a:hlinkClick r:id="rId3"/>
               </a:rPr>
               <a:t>https://docs.mongodb.com/</a:t>
             </a:r>
@@ -10169,7 +10169,7 @@
     </p:spTree>
     <p:extLst>
       <p:ext uri="{BB962C8B-B14F-4D97-AF65-F5344CB8AC3E}">
-        <p14:creationId xmlns:p14="http://schemas.microsoft.com/office/powerpoint/2010/main" val="3816907692"/>
+        <p14:creationId xmlns:p14="http://schemas.microsoft.com/office/powerpoint/2010/main" val="3718299080"/>
       </p:ext>
     </p:extLst>
   </p:cSld>
@@ -13134,7 +13134,7 @@
               <a:rPr lang="en-US" sz="2400" dirty="0">
                 <a:latin typeface="Georgia" panose="02040502050405020303" pitchFamily="18" charset="0"/>
               </a:rPr>
-              <a:t>Reference: </a:t>
+              <a:t>Reference:</a:t>
             </a:r>
           </a:p>
           <a:p>
@@ -13146,7 +13146,7 @@
                 <a:latin typeface="Georgia" panose="02040502050405020303" pitchFamily="18" charset="0"/>
                 <a:hlinkClick r:id="rId2"/>
               </a:rPr>
-              <a:t>http://bl.ocks.org/robschmuecker/7880033</a:t>
+              <a:t>http://bl.ocks.org/sgruhier/1d692762f8328a2c9957</a:t>
             </a:r>
             <a:endParaRPr lang="en-US" sz="1800" dirty="0">
               <a:latin typeface="Georgia" panose="02040502050405020303" pitchFamily="18" charset="0"/>
@@ -13157,9 +13157,46 @@
               <a:buNone/>
             </a:pPr>
             <a:r>
+              <a:rPr lang="en-US" sz="1800">
+                <a:latin typeface="Georgia" panose="02040502050405020303" pitchFamily="18" charset="0"/>
+                <a:hlinkClick r:id="rId3"/>
+              </a:rPr>
+              <a:t>https://bl.ocks.org/mbostock/4339083</a:t>
+            </a:r>
+            <a:endParaRPr lang="en-US" sz="1800">
+              <a:latin typeface="Georgia" panose="02040502050405020303" pitchFamily="18" charset="0"/>
+            </a:endParaRPr>
+          </a:p>
+          <a:p>
+            <a:pPr marL="400050" lvl="1" indent="0">
+              <a:buNone/>
+            </a:pPr>
+            <a:r>
+              <a:rPr lang="en-US" sz="1800">
+                <a:latin typeface="Georgia" panose="02040502050405020303" pitchFamily="18" charset="0"/>
+                <a:hlinkClick r:id="rId4"/>
+              </a:rPr>
+              <a:t>http</a:t>
+            </a:r>
+            <a:r>
               <a:rPr lang="en-US" sz="1800" dirty="0">
                 <a:latin typeface="Georgia" panose="02040502050405020303" pitchFamily="18" charset="0"/>
-                <a:hlinkClick r:id="rId3"/>
+                <a:hlinkClick r:id="rId4"/>
+              </a:rPr>
+              <a:t>://bl.ocks.org/robschmuecker/7880033</a:t>
+            </a:r>
+            <a:endParaRPr lang="en-US" sz="1800" dirty="0">
+              <a:latin typeface="Georgia" panose="02040502050405020303" pitchFamily="18" charset="0"/>
+            </a:endParaRPr>
+          </a:p>
+          <a:p>
+            <a:pPr marL="400050" lvl="1" indent="0">
+              <a:buNone/>
+            </a:pPr>
+            <a:r>
+              <a:rPr lang="en-US" sz="1800" dirty="0">
+                <a:latin typeface="Georgia" panose="02040502050405020303" pitchFamily="18" charset="0"/>
+                <a:hlinkClick r:id="rId5"/>
               </a:rPr>
               <a:t>http://bl.ocks.org/tizon9804/8540d89cc896927d35030cad2508324d</a:t>
             </a:r>
